--- a/altmetrics/presen/paper_review_2/paper_review_2.pptx
+++ b/altmetrics/presen/paper_review_2/paper_review_2.pptx
@@ -7,19 +7,20 @@
   <p:sldIdLst>
     <p:sldId id="256" r:id="rId2"/>
     <p:sldId id="316" r:id="rId3"/>
-    <p:sldId id="320" r:id="rId4"/>
-    <p:sldId id="333" r:id="rId5"/>
-    <p:sldId id="334" r:id="rId6"/>
-    <p:sldId id="324" r:id="rId7"/>
+    <p:sldId id="335" r:id="rId4"/>
+    <p:sldId id="320" r:id="rId5"/>
+    <p:sldId id="333" r:id="rId6"/>
+    <p:sldId id="334" r:id="rId7"/>
     <p:sldId id="323" r:id="rId8"/>
-    <p:sldId id="325" r:id="rId9"/>
-    <p:sldId id="326" r:id="rId10"/>
-    <p:sldId id="327" r:id="rId11"/>
-    <p:sldId id="328" r:id="rId12"/>
-    <p:sldId id="329" r:id="rId13"/>
-    <p:sldId id="330" r:id="rId14"/>
-    <p:sldId id="331" r:id="rId15"/>
-    <p:sldId id="332" r:id="rId16"/>
+    <p:sldId id="324" r:id="rId9"/>
+    <p:sldId id="325" r:id="rId10"/>
+    <p:sldId id="326" r:id="rId11"/>
+    <p:sldId id="327" r:id="rId12"/>
+    <p:sldId id="328" r:id="rId13"/>
+    <p:sldId id="329" r:id="rId14"/>
+    <p:sldId id="330" r:id="rId15"/>
+    <p:sldId id="331" r:id="rId16"/>
+    <p:sldId id="332" r:id="rId17"/>
   </p:sldIdLst>
   <p:sldSz cx="12192000" cy="6858000"/>
   <p:notesSz cx="6858000" cy="9144000"/>
@@ -131,6 +132,7 @@
   <p1510:revLst>
     <p1510:client id="{171E16FF-E372-4BEC-B32C-FA692EDD566E}" v="4505" dt="2019-10-14T04:56:22.139"/>
     <p1510:client id="{1DAE1D26-83F7-46FD-B526-5CCA56A5A6E1}" v="4910" dt="2019-10-12T08:03:42.832"/>
+    <p1510:client id="{3CB71D57-7835-A31D-DEC8-87318DC1C498}" v="1130" dt="2020-05-18T00:35:07.338"/>
     <p1510:client id="{489619EC-AD84-4BCE-A082-1AB71FC3135F}" v="2" dt="2019-10-17T11:19:11.010"/>
     <p1510:client id="{50AAD240-E5D2-442F-B500-DD17EBADFEC1}" v="4053" dt="2019-10-10T13:18:28.143"/>
     <p1510:client id="{53E4DA11-F23D-453A-9EEE-2817244EBA3E}" v="2187" dt="2019-10-11T02:37:37.959"/>
@@ -144,6 +146,7 @@
     <p1510:client id="{8A64BA33-9F16-BF85-D4F1-C5D186208EEC}" v="129" dt="2020-05-12T01:00:32.373"/>
     <p1510:client id="{9BFAED00-317D-2FF0-550C-1725973C6FA9}" v="1368" dt="2020-05-11T00:34:17.519"/>
     <p1510:client id="{A8050814-21CA-4333-B423-F8B5028F7EE4}" v="2402" dt="2019-10-15T10:44:52.447"/>
+    <p1510:client id="{AEC028F3-86F2-B246-4A76-742CE63CB9A8}" v="103" dt="2020-05-18T02:45:43.689"/>
     <p1510:client id="{DE0834CF-C2C8-8858-8F2B-6202DAE30056}" v="2389" dt="2020-04-28T08:45:14.301"/>
     <p1510:client id="{E5378A48-5560-4ABB-9881-63FF32B3D0AB}" v="289" dt="2019-10-16T03:52:11.281"/>
     <p1510:client id="{FB16833B-4767-482D-85B2-B92379B8CAA5}" v="581" dt="2019-10-11T00:38:27.912"/>
@@ -4205,7 +4208,7 @@
                 </a:solidFill>
                 <a:ea typeface="HGｺﾞｼｯｸE"/>
               </a:rPr>
-              <a:t>2020-05-17</a:t>
+              <a:t>2020-05-18</a:t>
             </a:r>
           </a:p>
           <a:p>
@@ -4292,8 +4295,26 @@
                 <a:ea typeface="+mn-lt"/>
                 <a:cs typeface="+mn-lt"/>
               </a:rPr>
-              <a:t>オリジナルツイートの作り手に関して</a:t>
-            </a:r>
+              <a:t>Bot判別アプリ「Bot</a:t>
+            </a:r>
+            <a:r>
+              <a:rPr lang="en-US" altLang="ja-JP" dirty="0">
+                <a:ea typeface="+mn-lt"/>
+                <a:cs typeface="+mn-lt"/>
+              </a:rPr>
+              <a:t> of Not?」</a:t>
+            </a:r>
+            <a:r>
+              <a:rPr lang="en-US" altLang="ja-JP" dirty="0" err="1">
+                <a:ea typeface="+mn-lt"/>
+                <a:cs typeface="+mn-lt"/>
+              </a:rPr>
+              <a:t>でbot判定</a:t>
+            </a:r>
+            <a:endParaRPr lang="ja-JP" altLang="en-US" dirty="0" err="1">
+              <a:ea typeface="+mn-lt"/>
+              <a:cs typeface="+mn-lt"/>
+            </a:endParaRPr>
           </a:p>
           <a:p>
             <a:pPr marL="305435" indent="-305435"/>
@@ -4332,26 +4353,12 @@
           </a:p>
           <a:p>
             <a:pPr marL="305435" indent="-305435"/>
-            <a:endParaRPr lang="ja-JP" altLang="en-US" dirty="0">
-              <a:ea typeface="+mn-lt"/>
-              <a:cs typeface="+mn-lt"/>
-            </a:endParaRPr>
-          </a:p>
-          <a:p>
-            <a:pPr marL="305435" indent="-305435"/>
-            <a:endParaRPr lang="ja-JP" altLang="en-US" dirty="0">
-              <a:ea typeface="+mn-lt"/>
-              <a:cs typeface="+mn-lt"/>
-            </a:endParaRPr>
-          </a:p>
-          <a:p>
-            <a:pPr marL="305435" indent="-305435"/>
             <a:r>
               <a:rPr lang="ja-JP" altLang="en-US">
                 <a:ea typeface="+mn-lt"/>
                 <a:cs typeface="+mn-lt"/>
               </a:rPr>
-              <a:t>Physical&amp;EngineeringでPublisher/journalsが最も多く、Individual citizensが最も少ない</a:t>
+              <a:t>HumanがLife&amp;Earthでは35%、それ以外では80%以上</a:t>
             </a:r>
             <a:endParaRPr lang="ja-JP" altLang="en-US" dirty="0">
               <a:ea typeface="+mn-lt"/>
@@ -4368,23 +4375,21 @@
                 <a:ea typeface="+mn-lt"/>
                 <a:cs typeface="+mn-lt"/>
               </a:rPr>
-              <a:t>ところが、ユーザータイプ上ではIndividual citizensが最も多かった</a:t>
-            </a:r>
-            <a:endParaRPr lang="ja-JP" altLang="en-US" dirty="0">
-              <a:ea typeface="+mn-lt"/>
-              <a:cs typeface="+mn-lt"/>
-            </a:endParaRPr>
-          </a:p>
-          <a:p>
-            <a:pPr marL="594360" lvl="2" indent="0">
-              <a:buNone/>
-            </a:pPr>
+              <a:t>Botアカウントは、主に組織やビジネスで作られる(特に</a:t>
+            </a:r>
+            <a:r>
+              <a:rPr lang="ja-JP">
+                <a:ea typeface="+mn-lt"/>
+                <a:cs typeface="+mn-lt"/>
+              </a:rPr>
+              <a:t>Life&amp;Earthで盛ん</a:t>
+            </a:r>
             <a:r>
               <a:rPr lang="ja-JP" altLang="en-US">
                 <a:ea typeface="+mn-lt"/>
                 <a:cs typeface="+mn-lt"/>
               </a:rPr>
-              <a:t>→　大衆が出版・ジャーナルの投稿に興味を見せている</a:t>
+              <a:t>)</a:t>
             </a:r>
           </a:p>
           <a:p>
@@ -4433,7 +4438,7 @@
                   <a:schemeClr val="bg1"/>
                 </a:solidFill>
               </a:rPr>
-              <a:t>4.2 Tweet initiator</a:t>
+              <a:t>4.1 User types and bot accounts(2/2)</a:t>
             </a:r>
             <a:endParaRPr lang="en-US" dirty="0">
               <a:solidFill>
@@ -4488,10 +4493,10 @@
       </p:sp>
       <p:pic>
         <p:nvPicPr>
-          <p:cNvPr id="11" name="Picture 11" descr="A screenshot of a cell phone&#10;&#10;Description generated with very high confidence">
+          <p:cNvPr id="4" name="Picture 4" descr="A screenshot of a cell phone&#10;&#10;Description generated with very high confidence">
             <a:extLst>
               <a:ext uri="{FF2B5EF4-FFF2-40B4-BE49-F238E27FC236}">
-                <a16:creationId xmlns:a16="http://schemas.microsoft.com/office/drawing/2014/main" id="{1C142B5C-EEF1-4D9B-B84A-B97C1351841B}"/>
+                <a16:creationId xmlns:a16="http://schemas.microsoft.com/office/drawing/2014/main" id="{4ACC9EC6-F14F-4E27-AD88-E5804BDE0C59}"/>
               </a:ext>
             </a:extLst>
           </p:cNvPr>
@@ -4508,8 +4513,8 @@
         </p:blipFill>
         <p:spPr>
           <a:xfrm>
-            <a:off x="1821084" y="2415374"/>
-            <a:ext cx="8549832" cy="2490238"/>
+            <a:off x="1589590" y="2957958"/>
+            <a:ext cx="9012820" cy="1877705"/>
           </a:xfrm>
           <a:prstGeom prst="rect">
             <a:avLst/>
@@ -4519,7 +4524,7 @@
     </p:spTree>
     <p:extLst>
       <p:ext uri="{BB962C8B-B14F-4D97-AF65-F5344CB8AC3E}">
-        <p14:creationId xmlns:p14="http://schemas.microsoft.com/office/powerpoint/2010/main" val="3266255812"/>
+        <p14:creationId xmlns:p14="http://schemas.microsoft.com/office/powerpoint/2010/main" val="1060920159"/>
       </p:ext>
     </p:extLst>
   </p:cSld>
@@ -4565,7 +4570,7 @@
         <p:spPr>
           <a:xfrm>
             <a:off x="581192" y="1929712"/>
-            <a:ext cx="5213337" cy="4693302"/>
+            <a:ext cx="11029615" cy="4693302"/>
           </a:xfrm>
         </p:spPr>
         <p:txBody>
@@ -4576,12 +4581,19 @@
           <a:p>
             <a:pPr marL="305435" indent="-305435"/>
             <a:r>
-              <a:rPr lang="ja-JP" altLang="en-US">
+              <a:rPr lang="en-US" altLang="ja-JP" dirty="0" err="1">
                 <a:ea typeface="+mn-lt"/>
                 <a:cs typeface="+mn-lt"/>
               </a:rPr>
-              <a:t>Life&amp;Earth, Math&amp;Computerでは、テキストなし（論文タイトル・URLのみの）オリジナルツイート割合が非常に大きい</a:t>
-            </a:r>
+              <a:t>オリジナルツイートの作り手に関して</a:t>
+            </a:r>
+            <a:endParaRPr lang="en-US" altLang="ja-JP">
+              <a:ea typeface="+mn-lt"/>
+              <a:cs typeface="+mn-lt"/>
+            </a:endParaRPr>
+          </a:p>
+          <a:p>
+            <a:pPr marL="305435" indent="-305435"/>
             <a:endParaRPr lang="ja-JP" altLang="en-US" dirty="0">
               <a:ea typeface="+mn-lt"/>
               <a:cs typeface="+mn-lt"/>
@@ -4589,13 +4601,6 @@
           </a:p>
           <a:p>
             <a:pPr marL="305435" indent="-305435"/>
-            <a:r>
-              <a:rPr lang="ja-JP" altLang="en-US">
-                <a:ea typeface="+mn-lt"/>
-                <a:cs typeface="+mn-lt"/>
-              </a:rPr>
-              <a:t>リツイート割合もかなり高い(35%以上)</a:t>
-            </a:r>
             <a:endParaRPr lang="ja-JP" altLang="en-US" dirty="0">
               <a:ea typeface="+mn-lt"/>
               <a:cs typeface="+mn-lt"/>
@@ -4603,17 +4608,334 @@
           </a:p>
           <a:p>
             <a:pPr marL="305435" indent="-305435"/>
-            <a:r>
-              <a:rPr lang="ja-JP" altLang="en-US">
-                <a:ea typeface="+mn-lt"/>
-                <a:cs typeface="+mn-lt"/>
-              </a:rPr>
-              <a:t>リツイートの中で、修正なしリツイートは圧倒的(95%以上)</a:t>
-            </a:r>
             <a:endParaRPr lang="ja-JP" altLang="en-US" dirty="0">
               <a:ea typeface="+mn-lt"/>
               <a:cs typeface="+mn-lt"/>
             </a:endParaRPr>
+          </a:p>
+          <a:p>
+            <a:pPr marL="305435" indent="-305435"/>
+            <a:endParaRPr lang="ja-JP" altLang="en-US" dirty="0">
+              <a:ea typeface="+mn-lt"/>
+              <a:cs typeface="+mn-lt"/>
+            </a:endParaRPr>
+          </a:p>
+          <a:p>
+            <a:pPr marL="305435" indent="-305435"/>
+            <a:endParaRPr lang="ja-JP" altLang="en-US" dirty="0">
+              <a:ea typeface="+mn-lt"/>
+              <a:cs typeface="+mn-lt"/>
+            </a:endParaRPr>
+          </a:p>
+          <a:p>
+            <a:pPr marL="305435" indent="-305435"/>
+            <a:endParaRPr lang="ja-JP" altLang="en-US" dirty="0">
+              <a:ea typeface="+mn-lt"/>
+              <a:cs typeface="+mn-lt"/>
+            </a:endParaRPr>
+          </a:p>
+          <a:p>
+            <a:pPr marL="305435" indent="-305435"/>
+            <a:endParaRPr lang="ja-JP" altLang="en-US" dirty="0">
+              <a:ea typeface="+mn-lt"/>
+              <a:cs typeface="+mn-lt"/>
+            </a:endParaRPr>
+          </a:p>
+          <a:p>
+            <a:pPr marL="305435" indent="-305435"/>
+            <a:r>
+              <a:rPr lang="ja-JP" altLang="en-US">
+                <a:ea typeface="+mn-lt"/>
+                <a:cs typeface="+mn-lt"/>
+              </a:rPr>
+              <a:t>Physical&amp;EngineeringでPublisher/journalsが最も多く(30%)</a:t>
+            </a:r>
+            <a:endParaRPr lang="ja-JP" altLang="en-US" dirty="0">
+              <a:ea typeface="+mn-lt"/>
+              <a:cs typeface="+mn-lt"/>
+            </a:endParaRPr>
+          </a:p>
+          <a:p>
+            <a:pPr marL="629920" lvl="1" indent="-305435">
+              <a:buFont typeface="Arial" panose="05020102010507070707" pitchFamily="18" charset="2"/>
+              <a:buChar char="•"/>
+            </a:pPr>
+            <a:r>
+              <a:rPr lang="ja-JP">
+                <a:ea typeface="+mn-lt"/>
+                <a:cs typeface="+mn-lt"/>
+              </a:rPr>
+              <a:t>Individual citizensは低め(</a:t>
+            </a:r>
+            <a:r>
+              <a:rPr lang="en-US" altLang="ja-JP" dirty="0">
+                <a:ea typeface="+mn-lt"/>
+                <a:cs typeface="+mn-lt"/>
+              </a:rPr>
+              <a:t>6.7%</a:t>
+            </a:r>
+            <a:r>
+              <a:rPr lang="ja-JP">
+                <a:ea typeface="+mn-lt"/>
+                <a:cs typeface="+mn-lt"/>
+              </a:rPr>
+              <a:t>)だ</a:t>
+            </a:r>
+            <a:r>
+              <a:rPr lang="ja-JP" altLang="en-US">
+                <a:ea typeface="+mn-lt"/>
+                <a:cs typeface="+mn-lt"/>
+              </a:rPr>
+              <a:t>が、ユーザータイプ上では最も多かった(62%)</a:t>
+            </a:r>
+            <a:endParaRPr lang="ja-JP" altLang="en-US" dirty="0">
+              <a:ea typeface="+mn-lt"/>
+              <a:cs typeface="+mn-lt"/>
+            </a:endParaRPr>
+          </a:p>
+          <a:p>
+            <a:pPr marL="594360" lvl="2" indent="0">
+              <a:buNone/>
+            </a:pPr>
+            <a:r>
+              <a:rPr lang="ja-JP" altLang="en-US">
+                <a:ea typeface="+mn-lt"/>
+                <a:cs typeface="+mn-lt"/>
+              </a:rPr>
+              <a:t>→　大衆が出版・ジャーナル業界の投稿への注目度が高い</a:t>
+            </a:r>
+          </a:p>
+        </p:txBody>
+      </p:sp>
+      <p:sp>
+        <p:nvSpPr>
+          <p:cNvPr id="7" name="TextBox 6">
+            <a:extLst>
+              <a:ext uri="{FF2B5EF4-FFF2-40B4-BE49-F238E27FC236}">
+                <a16:creationId xmlns:a16="http://schemas.microsoft.com/office/drawing/2014/main" id="{213D2F50-889F-4E15-8E06-0613C8AFF0D8}"/>
+              </a:ext>
+            </a:extLst>
+          </p:cNvPr>
+          <p:cNvSpPr txBox="1"/>
+          <p:nvPr/>
+        </p:nvSpPr>
+        <p:spPr>
+          <a:xfrm>
+            <a:off x="576805" y="1213411"/>
+            <a:ext cx="11038388" cy="523220"/>
+          </a:xfrm>
+          <a:prstGeom prst="rect">
+            <a:avLst/>
+          </a:prstGeom>
+          <a:noFill/>
+        </p:spPr>
+        <p:txBody>
+          <a:bodyPr rot="0" spcFirstLastPara="0" vertOverflow="overflow" horzOverflow="overflow" vert="horz" wrap="square" lIns="91440" tIns="45720" rIns="91440" bIns="45720" numCol="1" spcCol="0" rtlCol="0" fromWordArt="0" anchor="t" anchorCtr="0" forceAA="0" compatLnSpc="1">
+            <a:prstTxWarp prst="textNoShape">
+              <a:avLst/>
+            </a:prstTxWarp>
+            <a:spAutoFit/>
+          </a:bodyPr>
+          <a:lstStyle/>
+          <a:p>
+            <a:r>
+              <a:rPr lang="en-US" sz="2800" dirty="0">
+                <a:solidFill>
+                  <a:schemeClr val="bg1"/>
+                </a:solidFill>
+              </a:rPr>
+              <a:t>4.2 Tweet initiators</a:t>
+            </a:r>
+            <a:endParaRPr lang="en-US" dirty="0">
+              <a:solidFill>
+                <a:schemeClr val="bg1"/>
+              </a:solidFill>
+            </a:endParaRPr>
+          </a:p>
+        </p:txBody>
+      </p:sp>
+      <p:sp>
+        <p:nvSpPr>
+          <p:cNvPr id="6" name="TextBox 5">
+            <a:extLst>
+              <a:ext uri="{FF2B5EF4-FFF2-40B4-BE49-F238E27FC236}">
+                <a16:creationId xmlns:a16="http://schemas.microsoft.com/office/drawing/2014/main" id="{6111FAC0-E902-4854-BB15-70A59A4024D3}"/>
+              </a:ext>
+            </a:extLst>
+          </p:cNvPr>
+          <p:cNvSpPr txBox="1"/>
+          <p:nvPr/>
+        </p:nvSpPr>
+        <p:spPr>
+          <a:xfrm>
+            <a:off x="576804" y="817942"/>
+            <a:ext cx="11038388" cy="369332"/>
+          </a:xfrm>
+          <a:prstGeom prst="rect">
+            <a:avLst/>
+          </a:prstGeom>
+          <a:noFill/>
+        </p:spPr>
+        <p:txBody>
+          <a:bodyPr rot="0" spcFirstLastPara="0" vertOverflow="overflow" horzOverflow="overflow" vert="horz" wrap="square" lIns="91440" tIns="45720" rIns="91440" bIns="45720" numCol="1" spcCol="0" rtlCol="0" fromWordArt="0" anchor="t" anchorCtr="0" forceAA="0" compatLnSpc="1">
+            <a:prstTxWarp prst="textNoShape">
+              <a:avLst/>
+            </a:prstTxWarp>
+            <a:spAutoFit/>
+          </a:bodyPr>
+          <a:lstStyle/>
+          <a:p>
+            <a:r>
+              <a:rPr lang="en-US" dirty="0">
+                <a:solidFill>
+                  <a:schemeClr val="bg1"/>
+                </a:solidFill>
+              </a:rPr>
+              <a:t>4. Results</a:t>
+            </a:r>
+            <a:endParaRPr lang="en-US" dirty="0"/>
+          </a:p>
+        </p:txBody>
+      </p:sp>
+      <p:pic>
+        <p:nvPicPr>
+          <p:cNvPr id="11" name="Picture 11" descr="A screenshot of a cell phone&#10;&#10;Description generated with very high confidence">
+            <a:extLst>
+              <a:ext uri="{FF2B5EF4-FFF2-40B4-BE49-F238E27FC236}">
+                <a16:creationId xmlns:a16="http://schemas.microsoft.com/office/drawing/2014/main" id="{1C142B5C-EEF1-4D9B-B84A-B97C1351841B}"/>
+              </a:ext>
+            </a:extLst>
+          </p:cNvPr>
+          <p:cNvPicPr>
+            <a:picLocks noChangeAspect="1"/>
+          </p:cNvPicPr>
+          <p:nvPr/>
+        </p:nvPicPr>
+        <p:blipFill>
+          <a:blip r:embed="rId2"/>
+          <a:stretch>
+            <a:fillRect/>
+          </a:stretch>
+        </p:blipFill>
+        <p:spPr>
+          <a:xfrm>
+            <a:off x="1821084" y="2415374"/>
+            <a:ext cx="8549832" cy="2490238"/>
+          </a:xfrm>
+          <a:prstGeom prst="rect">
+            <a:avLst/>
+          </a:prstGeom>
+        </p:spPr>
+      </p:pic>
+    </p:spTree>
+    <p:extLst>
+      <p:ext uri="{BB962C8B-B14F-4D97-AF65-F5344CB8AC3E}">
+        <p14:creationId xmlns:p14="http://schemas.microsoft.com/office/powerpoint/2010/main" val="3266255812"/>
+      </p:ext>
+    </p:extLst>
+  </p:cSld>
+  <p:clrMapOvr>
+    <a:masterClrMapping/>
+  </p:clrMapOvr>
+</p:sld>
+</file>
+
+<file path=ppt/slides/slide12.xml><?xml version="1.0" encoding="utf-8"?>
+<p:sld xmlns:a="http://schemas.openxmlformats.org/drawingml/2006/main" xmlns:r="http://schemas.openxmlformats.org/officeDocument/2006/relationships" xmlns:p="http://schemas.openxmlformats.org/presentationml/2006/main">
+  <p:cSld>
+    <p:spTree>
+      <p:nvGrpSpPr>
+        <p:cNvPr id="1" name=""/>
+        <p:cNvGrpSpPr/>
+        <p:nvPr/>
+      </p:nvGrpSpPr>
+      <p:grpSpPr>
+        <a:xfrm>
+          <a:off x="0" y="0"/>
+          <a:ext cx="0" cy="0"/>
+          <a:chOff x="0" y="0"/>
+          <a:chExt cx="0" cy="0"/>
+        </a:xfrm>
+      </p:grpSpPr>
+      <p:sp>
+        <p:nvSpPr>
+          <p:cNvPr id="3" name="コンテンツ プレースホルダー 2">
+            <a:extLst>
+              <a:ext uri="{FF2B5EF4-FFF2-40B4-BE49-F238E27FC236}">
+                <a16:creationId xmlns:a16="http://schemas.microsoft.com/office/drawing/2014/main" id="{C2F108A2-79D1-4D5F-82CF-15E72F702CF3}"/>
+              </a:ext>
+            </a:extLst>
+          </p:cNvPr>
+          <p:cNvSpPr>
+            <a:spLocks noGrp="1"/>
+          </p:cNvSpPr>
+          <p:nvPr>
+            <p:ph idx="1"/>
+          </p:nvPr>
+        </p:nvSpPr>
+        <p:spPr>
+          <a:xfrm>
+            <a:off x="581192" y="1929712"/>
+            <a:ext cx="5213337" cy="4693302"/>
+          </a:xfrm>
+        </p:spPr>
+        <p:txBody>
+          <a:bodyPr>
+            <a:normAutofit/>
+          </a:bodyPr>
+          <a:lstStyle/>
+          <a:p>
+            <a:pPr marL="305435" indent="-305435"/>
+            <a:r>
+              <a:rPr lang="ja-JP" altLang="en-US">
+                <a:ea typeface="+mn-lt"/>
+                <a:cs typeface="+mn-lt"/>
+              </a:rPr>
+              <a:t>クオリティーに関して</a:t>
+            </a:r>
+            <a:endParaRPr lang="ja-JP" altLang="en-US" dirty="0">
+              <a:ea typeface="+mn-lt"/>
+              <a:cs typeface="+mn-lt"/>
+            </a:endParaRPr>
+          </a:p>
+          <a:p>
+            <a:pPr marL="629920" lvl="1" indent="-305435">
+              <a:buFont typeface="Arial" panose="05020102010507070707" pitchFamily="18" charset="2"/>
+              <a:buChar char="•"/>
+            </a:pPr>
+            <a:r>
+              <a:rPr lang="ja-JP" altLang="en-US">
+                <a:ea typeface="+mn-lt"/>
+                <a:cs typeface="+mn-lt"/>
+              </a:rPr>
+              <a:t>Life&amp;Earth, Math&amp;Computerでは、テキストなし（論文タイトル・URLのみの）オリジナルツイート割合が非常に大きい</a:t>
+            </a:r>
+          </a:p>
+          <a:p>
+            <a:pPr marL="629920" lvl="1" indent="-305435">
+              <a:buFont typeface="Arial" panose="05020102010507070707" pitchFamily="18" charset="2"/>
+              <a:buChar char="•"/>
+            </a:pPr>
+            <a:r>
+              <a:rPr lang="ja-JP" altLang="en-US">
+                <a:ea typeface="+mn-lt"/>
+                <a:cs typeface="+mn-lt"/>
+              </a:rPr>
+              <a:t>リツイート割合もかなり高い(35%以上)</a:t>
+            </a:r>
+          </a:p>
+          <a:p>
+            <a:pPr marL="629920" lvl="1" indent="-305435">
+              <a:buFont typeface="Arial" panose="05020102010507070707" pitchFamily="18" charset="2"/>
+              <a:buChar char="•"/>
+            </a:pPr>
+            <a:r>
+              <a:rPr lang="ja-JP" altLang="en-US">
+                <a:ea typeface="+mn-lt"/>
+                <a:cs typeface="+mn-lt"/>
+              </a:rPr>
+              <a:t>リツイートの中で、修正なしリツイートは圧倒的(95%以上)</a:t>
+            </a:r>
           </a:p>
           <a:p>
             <a:pPr marL="305435" indent="-305435"/>
@@ -4808,7 +5130,7 @@
 </p:sld>
 </file>
 
-<file path=ppt/slides/slide12.xml><?xml version="1.0" encoding="utf-8"?>
+<file path=ppt/slides/slide13.xml><?xml version="1.0" encoding="utf-8"?>
 <p:sld xmlns:a="http://schemas.openxmlformats.org/drawingml/2006/main" xmlns:r="http://schemas.openxmlformats.org/officeDocument/2006/relationships" xmlns:p="http://schemas.openxmlformats.org/presentationml/2006/main">
   <p:cSld>
     <p:spTree>
@@ -4859,7 +5181,7 @@
                 <a:ea typeface="+mn-lt"/>
                 <a:cs typeface="+mn-lt"/>
               </a:rPr>
-              <a:t>ツイート目的に関して</a:t>
+              <a:t>ツイート目的(engagement)に関して</a:t>
             </a:r>
             <a:endParaRPr lang="en-US" altLang="ja-JP"/>
           </a:p>
@@ -5045,304 +5367,6 @@
     <p:extLst>
       <p:ext uri="{BB962C8B-B14F-4D97-AF65-F5344CB8AC3E}">
         <p14:creationId xmlns:p14="http://schemas.microsoft.com/office/powerpoint/2010/main" val="1656914023"/>
-      </p:ext>
-    </p:extLst>
-  </p:cSld>
-  <p:clrMapOvr>
-    <a:masterClrMapping/>
-  </p:clrMapOvr>
-</p:sld>
-</file>
-
-<file path=ppt/slides/slide13.xml><?xml version="1.0" encoding="utf-8"?>
-<p:sld xmlns:a="http://schemas.openxmlformats.org/drawingml/2006/main" xmlns:r="http://schemas.openxmlformats.org/officeDocument/2006/relationships" xmlns:p="http://schemas.openxmlformats.org/presentationml/2006/main">
-  <p:cSld>
-    <p:spTree>
-      <p:nvGrpSpPr>
-        <p:cNvPr id="1" name=""/>
-        <p:cNvGrpSpPr/>
-        <p:nvPr/>
-      </p:nvGrpSpPr>
-      <p:grpSpPr>
-        <a:xfrm>
-          <a:off x="0" y="0"/>
-          <a:ext cx="0" cy="0"/>
-          <a:chOff x="0" y="0"/>
-          <a:chExt cx="0" cy="0"/>
-        </a:xfrm>
-      </p:grpSpPr>
-      <p:sp>
-        <p:nvSpPr>
-          <p:cNvPr id="3" name="コンテンツ プレースホルダー 2">
-            <a:extLst>
-              <a:ext uri="{FF2B5EF4-FFF2-40B4-BE49-F238E27FC236}">
-                <a16:creationId xmlns:a16="http://schemas.microsoft.com/office/drawing/2014/main" id="{C2F108A2-79D1-4D5F-82CF-15E72F702CF3}"/>
-              </a:ext>
-            </a:extLst>
-          </p:cNvPr>
-          <p:cNvSpPr>
-            <a:spLocks noGrp="1"/>
-          </p:cNvSpPr>
-          <p:nvPr>
-            <p:ph idx="1"/>
-          </p:nvPr>
-        </p:nvSpPr>
-        <p:spPr>
-          <a:xfrm>
-            <a:off x="581192" y="1929712"/>
-            <a:ext cx="10981387" cy="4693302"/>
-          </a:xfrm>
-        </p:spPr>
-        <p:txBody>
-          <a:bodyPr>
-            <a:normAutofit/>
-          </a:bodyPr>
-          <a:lstStyle/>
-          <a:p>
-            <a:pPr marL="305435" indent="-305435"/>
-            <a:endParaRPr lang="ja-JP" altLang="en-US" dirty="0">
-              <a:ea typeface="HGｺﾞｼｯｸE"/>
-            </a:endParaRPr>
-          </a:p>
-          <a:p>
-            <a:pPr marL="305435" indent="-305435"/>
-            <a:r>
-              <a:rPr lang="ja-JP" altLang="en-US">
-                <a:ea typeface="HGｺﾞｼｯｸE"/>
-                <a:cs typeface="+mn-lt"/>
-              </a:rPr>
-              <a:t>ツイートを通じたコミュニケーション</a:t>
-            </a:r>
-            <a:endParaRPr lang="ja-JP" altLang="en-US" dirty="0">
-              <a:ea typeface="HGｺﾞｼｯｸE"/>
-              <a:cs typeface="+mn-lt"/>
-            </a:endParaRPr>
-          </a:p>
-          <a:p>
-            <a:pPr marL="629920" lvl="1" indent="-305435">
-              <a:buFont typeface="Arial" panose="05020102010507070707" pitchFamily="18" charset="2"/>
-              <a:buChar char="•"/>
-            </a:pPr>
-            <a:r>
-              <a:rPr lang="ja-JP" altLang="en-US">
-                <a:ea typeface="HGｺﾞｼｯｸE"/>
-                <a:cs typeface="+mn-lt"/>
-              </a:rPr>
-              <a:t>「@xxx」：個人とのコミュニケーション</a:t>
-            </a:r>
-          </a:p>
-          <a:p>
-            <a:pPr marL="629920" lvl="1" indent="-305435">
-              <a:buFont typeface="Arial" panose="05020102010507070707" pitchFamily="18" charset="2"/>
-              <a:buChar char="•"/>
-            </a:pPr>
-            <a:r>
-              <a:rPr lang="ja-JP" altLang="en-US">
-                <a:ea typeface="HGｺﾞｼｯｸE"/>
-                <a:cs typeface="+mn-lt"/>
-              </a:rPr>
-              <a:t>「#xxx」：グループとのコミュニケーション</a:t>
-            </a:r>
-          </a:p>
-          <a:p>
-            <a:pPr marL="305435" indent="-305435"/>
-            <a:endParaRPr lang="ja-JP" altLang="en-US" dirty="0">
-              <a:ea typeface="HGｺﾞｼｯｸE"/>
-              <a:cs typeface="+mn-lt"/>
-            </a:endParaRPr>
-          </a:p>
-          <a:p>
-            <a:pPr marL="305435" indent="-305435"/>
-            <a:endParaRPr lang="ja-JP" altLang="en-US" dirty="0">
-              <a:ea typeface="HGｺﾞｼｯｸE"/>
-              <a:cs typeface="+mn-lt"/>
-            </a:endParaRPr>
-          </a:p>
-          <a:p>
-            <a:pPr marL="305435" indent="-305435"/>
-            <a:endParaRPr lang="ja-JP" altLang="en-US" dirty="0">
-              <a:ea typeface="+mn-lt"/>
-              <a:cs typeface="+mn-lt"/>
-            </a:endParaRPr>
-          </a:p>
-          <a:p>
-            <a:pPr marL="305435" indent="-305435"/>
-            <a:endParaRPr lang="ja-JP" altLang="en-US" dirty="0">
-              <a:ea typeface="+mn-lt"/>
-              <a:cs typeface="+mn-lt"/>
-            </a:endParaRPr>
-          </a:p>
-          <a:p>
-            <a:pPr marL="305435" indent="-305435"/>
-            <a:endParaRPr lang="ja-JP" altLang="en-US" dirty="0">
-              <a:ea typeface="+mn-lt"/>
-              <a:cs typeface="+mn-lt"/>
-            </a:endParaRPr>
-          </a:p>
-          <a:p>
-            <a:pPr marL="305435" indent="-305435"/>
-            <a:r>
-              <a:rPr lang="ja-JP">
-                <a:ea typeface="+mn-lt"/>
-                <a:cs typeface="+mn-lt"/>
-              </a:rPr>
-              <a:t>Life&amp;Earth：個人が低く、グループが飛び切り高い</a:t>
-            </a:r>
-            <a:endParaRPr lang="ja-JP"/>
-          </a:p>
-          <a:p>
-            <a:pPr marL="629920" lvl="1" indent="-305435">
-              <a:buFont typeface="Arial" panose="05020102010507070707" pitchFamily="18" charset="2"/>
-              <a:buChar char="•"/>
-            </a:pPr>
-            <a:r>
-              <a:rPr lang="ja-JP" altLang="en-US">
-                <a:ea typeface="+mn-lt"/>
-                <a:cs typeface="+mn-lt"/>
-              </a:rPr>
-              <a:t>bot・関係組織が活性化しているため</a:t>
-            </a:r>
-          </a:p>
-          <a:p>
-            <a:pPr marL="305435" indent="-305435"/>
-            <a:endParaRPr lang="ja-JP" altLang="en-US" dirty="0">
-              <a:ea typeface="+mn-lt"/>
-              <a:cs typeface="+mn-lt"/>
-            </a:endParaRPr>
-          </a:p>
-          <a:p>
-            <a:pPr marL="305435" indent="-305435"/>
-            <a:endParaRPr lang="ja-JP" altLang="en-US" dirty="0">
-              <a:ea typeface="+mn-lt"/>
-              <a:cs typeface="+mn-lt"/>
-            </a:endParaRPr>
-          </a:p>
-        </p:txBody>
-      </p:sp>
-      <p:sp>
-        <p:nvSpPr>
-          <p:cNvPr id="7" name="TextBox 6">
-            <a:extLst>
-              <a:ext uri="{FF2B5EF4-FFF2-40B4-BE49-F238E27FC236}">
-                <a16:creationId xmlns:a16="http://schemas.microsoft.com/office/drawing/2014/main" id="{213D2F50-889F-4E15-8E06-0613C8AFF0D8}"/>
-              </a:ext>
-            </a:extLst>
-          </p:cNvPr>
-          <p:cNvSpPr txBox="1"/>
-          <p:nvPr/>
-        </p:nvSpPr>
-        <p:spPr>
-          <a:xfrm>
-            <a:off x="576805" y="1213411"/>
-            <a:ext cx="11038388" cy="523220"/>
-          </a:xfrm>
-          <a:prstGeom prst="rect">
-            <a:avLst/>
-          </a:prstGeom>
-          <a:noFill/>
-        </p:spPr>
-        <p:txBody>
-          <a:bodyPr rot="0" spcFirstLastPara="0" vertOverflow="overflow" horzOverflow="overflow" vert="horz" wrap="square" lIns="91440" tIns="45720" rIns="91440" bIns="45720" numCol="1" spcCol="0" rtlCol="0" fromWordArt="0" anchor="t" anchorCtr="0" forceAA="0" compatLnSpc="1">
-            <a:prstTxWarp prst="textNoShape">
-              <a:avLst/>
-            </a:prstTxWarp>
-            <a:spAutoFit/>
-          </a:bodyPr>
-          <a:lstStyle/>
-          <a:p>
-            <a:r>
-              <a:rPr lang="en-US" sz="2800" dirty="0">
-                <a:solidFill>
-                  <a:schemeClr val="bg1"/>
-                </a:solidFill>
-              </a:rPr>
-              <a:t>4.4 Types of communication</a:t>
-            </a:r>
-            <a:endParaRPr lang="en-US" dirty="0">
-              <a:solidFill>
-                <a:schemeClr val="bg1"/>
-              </a:solidFill>
-            </a:endParaRPr>
-          </a:p>
-        </p:txBody>
-      </p:sp>
-      <p:sp>
-        <p:nvSpPr>
-          <p:cNvPr id="6" name="TextBox 5">
-            <a:extLst>
-              <a:ext uri="{FF2B5EF4-FFF2-40B4-BE49-F238E27FC236}">
-                <a16:creationId xmlns:a16="http://schemas.microsoft.com/office/drawing/2014/main" id="{6111FAC0-E902-4854-BB15-70A59A4024D3}"/>
-              </a:ext>
-            </a:extLst>
-          </p:cNvPr>
-          <p:cNvSpPr txBox="1"/>
-          <p:nvPr/>
-        </p:nvSpPr>
-        <p:spPr>
-          <a:xfrm>
-            <a:off x="576804" y="817942"/>
-            <a:ext cx="11038388" cy="369332"/>
-          </a:xfrm>
-          <a:prstGeom prst="rect">
-            <a:avLst/>
-          </a:prstGeom>
-          <a:noFill/>
-        </p:spPr>
-        <p:txBody>
-          <a:bodyPr rot="0" spcFirstLastPara="0" vertOverflow="overflow" horzOverflow="overflow" vert="horz" wrap="square" lIns="91440" tIns="45720" rIns="91440" bIns="45720" numCol="1" spcCol="0" rtlCol="0" fromWordArt="0" anchor="t" anchorCtr="0" forceAA="0" compatLnSpc="1">
-            <a:prstTxWarp prst="textNoShape">
-              <a:avLst/>
-            </a:prstTxWarp>
-            <a:spAutoFit/>
-          </a:bodyPr>
-          <a:lstStyle/>
-          <a:p>
-            <a:r>
-              <a:rPr lang="en-US" dirty="0">
-                <a:solidFill>
-                  <a:schemeClr val="bg1"/>
-                </a:solidFill>
-              </a:rPr>
-              <a:t>4. Results</a:t>
-            </a:r>
-            <a:endParaRPr lang="en-US" dirty="0"/>
-          </a:p>
-        </p:txBody>
-      </p:sp>
-      <p:pic>
-        <p:nvPicPr>
-          <p:cNvPr id="2" name="Picture 3" descr="A screenshot of a cell phone&#10;&#10;Description generated with very high confidence">
-            <a:extLst>
-              <a:ext uri="{FF2B5EF4-FFF2-40B4-BE49-F238E27FC236}">
-                <a16:creationId xmlns:a16="http://schemas.microsoft.com/office/drawing/2014/main" id="{A6F91DEE-E29A-46EE-A39D-137F054C9360}"/>
-              </a:ext>
-            </a:extLst>
-          </p:cNvPr>
-          <p:cNvPicPr>
-            <a:picLocks noChangeAspect="1"/>
-          </p:cNvPicPr>
-          <p:nvPr/>
-        </p:nvPicPr>
-        <p:blipFill>
-          <a:blip r:embed="rId2"/>
-          <a:stretch>
-            <a:fillRect/>
-          </a:stretch>
-        </p:blipFill>
-        <p:spPr>
-          <a:xfrm>
-            <a:off x="827591" y="3316142"/>
-            <a:ext cx="10594693" cy="1682198"/>
-          </a:xfrm>
-          <a:prstGeom prst="rect">
-            <a:avLst/>
-          </a:prstGeom>
-        </p:spPr>
-      </p:pic>
-    </p:spTree>
-    <p:extLst>
-      <p:ext uri="{BB962C8B-B14F-4D97-AF65-F5344CB8AC3E}">
-        <p14:creationId xmlns:p14="http://schemas.microsoft.com/office/powerpoint/2010/main" val="1019400003"/>
       </p:ext>
     </p:extLst>
   </p:cSld>
@@ -5409,6 +5433,304 @@
                 <a:ea typeface="HGｺﾞｼｯｸE"/>
                 <a:cs typeface="+mn-lt"/>
               </a:rPr>
+              <a:t>ツイートを通じたコミュニケーション</a:t>
+            </a:r>
+            <a:endParaRPr lang="ja-JP" altLang="en-US" dirty="0">
+              <a:ea typeface="HGｺﾞｼｯｸE"/>
+              <a:cs typeface="+mn-lt"/>
+            </a:endParaRPr>
+          </a:p>
+          <a:p>
+            <a:pPr marL="629920" lvl="1" indent="-305435">
+              <a:buFont typeface="Arial" panose="05020102010507070707" pitchFamily="18" charset="2"/>
+              <a:buChar char="•"/>
+            </a:pPr>
+            <a:r>
+              <a:rPr lang="ja-JP" altLang="en-US">
+                <a:ea typeface="HGｺﾞｼｯｸE"/>
+                <a:cs typeface="+mn-lt"/>
+              </a:rPr>
+              <a:t>「@xxx」：個人とのコミュニケーション</a:t>
+            </a:r>
+          </a:p>
+          <a:p>
+            <a:pPr marL="629920" lvl="1" indent="-305435">
+              <a:buFont typeface="Arial" panose="05020102010507070707" pitchFamily="18" charset="2"/>
+              <a:buChar char="•"/>
+            </a:pPr>
+            <a:r>
+              <a:rPr lang="ja-JP" altLang="en-US">
+                <a:ea typeface="HGｺﾞｼｯｸE"/>
+                <a:cs typeface="+mn-lt"/>
+              </a:rPr>
+              <a:t>「#xxx」：グループとのコミュニケーション</a:t>
+            </a:r>
+          </a:p>
+          <a:p>
+            <a:pPr marL="305435" indent="-305435"/>
+            <a:endParaRPr lang="ja-JP" altLang="en-US" dirty="0">
+              <a:ea typeface="HGｺﾞｼｯｸE"/>
+              <a:cs typeface="+mn-lt"/>
+            </a:endParaRPr>
+          </a:p>
+          <a:p>
+            <a:pPr marL="305435" indent="-305435"/>
+            <a:endParaRPr lang="ja-JP" altLang="en-US" dirty="0">
+              <a:ea typeface="HGｺﾞｼｯｸE"/>
+              <a:cs typeface="+mn-lt"/>
+            </a:endParaRPr>
+          </a:p>
+          <a:p>
+            <a:pPr marL="305435" indent="-305435"/>
+            <a:endParaRPr lang="ja-JP" altLang="en-US" dirty="0">
+              <a:ea typeface="+mn-lt"/>
+              <a:cs typeface="+mn-lt"/>
+            </a:endParaRPr>
+          </a:p>
+          <a:p>
+            <a:pPr marL="305435" indent="-305435"/>
+            <a:endParaRPr lang="ja-JP" altLang="en-US" dirty="0">
+              <a:ea typeface="+mn-lt"/>
+              <a:cs typeface="+mn-lt"/>
+            </a:endParaRPr>
+          </a:p>
+          <a:p>
+            <a:pPr marL="305435" indent="-305435"/>
+            <a:endParaRPr lang="ja-JP" altLang="en-US" dirty="0">
+              <a:ea typeface="+mn-lt"/>
+              <a:cs typeface="+mn-lt"/>
+            </a:endParaRPr>
+          </a:p>
+          <a:p>
+            <a:pPr marL="305435" indent="-305435"/>
+            <a:r>
+              <a:rPr lang="ja-JP">
+                <a:ea typeface="+mn-lt"/>
+                <a:cs typeface="+mn-lt"/>
+              </a:rPr>
+              <a:t>Life&amp;Earth：個人が低く、グループが飛び切り高い</a:t>
+            </a:r>
+            <a:endParaRPr lang="ja-JP"/>
+          </a:p>
+          <a:p>
+            <a:pPr marL="629920" lvl="1" indent="-305435">
+              <a:buFont typeface="Arial" panose="05020102010507070707" pitchFamily="18" charset="2"/>
+              <a:buChar char="•"/>
+            </a:pPr>
+            <a:r>
+              <a:rPr lang="ja-JP" altLang="en-US">
+                <a:ea typeface="+mn-lt"/>
+                <a:cs typeface="+mn-lt"/>
+              </a:rPr>
+              <a:t>bot・関係組織が活性化しているため</a:t>
+            </a:r>
+          </a:p>
+          <a:p>
+            <a:pPr marL="305435" indent="-305435"/>
+            <a:endParaRPr lang="ja-JP" altLang="en-US" dirty="0">
+              <a:ea typeface="+mn-lt"/>
+              <a:cs typeface="+mn-lt"/>
+            </a:endParaRPr>
+          </a:p>
+          <a:p>
+            <a:pPr marL="305435" indent="-305435"/>
+            <a:endParaRPr lang="ja-JP" altLang="en-US" dirty="0">
+              <a:ea typeface="+mn-lt"/>
+              <a:cs typeface="+mn-lt"/>
+            </a:endParaRPr>
+          </a:p>
+        </p:txBody>
+      </p:sp>
+      <p:sp>
+        <p:nvSpPr>
+          <p:cNvPr id="7" name="TextBox 6">
+            <a:extLst>
+              <a:ext uri="{FF2B5EF4-FFF2-40B4-BE49-F238E27FC236}">
+                <a16:creationId xmlns:a16="http://schemas.microsoft.com/office/drawing/2014/main" id="{213D2F50-889F-4E15-8E06-0613C8AFF0D8}"/>
+              </a:ext>
+            </a:extLst>
+          </p:cNvPr>
+          <p:cNvSpPr txBox="1"/>
+          <p:nvPr/>
+        </p:nvSpPr>
+        <p:spPr>
+          <a:xfrm>
+            <a:off x="576805" y="1213411"/>
+            <a:ext cx="11038388" cy="523220"/>
+          </a:xfrm>
+          <a:prstGeom prst="rect">
+            <a:avLst/>
+          </a:prstGeom>
+          <a:noFill/>
+        </p:spPr>
+        <p:txBody>
+          <a:bodyPr rot="0" spcFirstLastPara="0" vertOverflow="overflow" horzOverflow="overflow" vert="horz" wrap="square" lIns="91440" tIns="45720" rIns="91440" bIns="45720" numCol="1" spcCol="0" rtlCol="0" fromWordArt="0" anchor="t" anchorCtr="0" forceAA="0" compatLnSpc="1">
+            <a:prstTxWarp prst="textNoShape">
+              <a:avLst/>
+            </a:prstTxWarp>
+            <a:spAutoFit/>
+          </a:bodyPr>
+          <a:lstStyle/>
+          <a:p>
+            <a:r>
+              <a:rPr lang="en-US" sz="2800" dirty="0">
+                <a:solidFill>
+                  <a:schemeClr val="bg1"/>
+                </a:solidFill>
+              </a:rPr>
+              <a:t>4.4 Types of communication</a:t>
+            </a:r>
+            <a:endParaRPr lang="en-US" dirty="0">
+              <a:solidFill>
+                <a:schemeClr val="bg1"/>
+              </a:solidFill>
+            </a:endParaRPr>
+          </a:p>
+        </p:txBody>
+      </p:sp>
+      <p:sp>
+        <p:nvSpPr>
+          <p:cNvPr id="6" name="TextBox 5">
+            <a:extLst>
+              <a:ext uri="{FF2B5EF4-FFF2-40B4-BE49-F238E27FC236}">
+                <a16:creationId xmlns:a16="http://schemas.microsoft.com/office/drawing/2014/main" id="{6111FAC0-E902-4854-BB15-70A59A4024D3}"/>
+              </a:ext>
+            </a:extLst>
+          </p:cNvPr>
+          <p:cNvSpPr txBox="1"/>
+          <p:nvPr/>
+        </p:nvSpPr>
+        <p:spPr>
+          <a:xfrm>
+            <a:off x="576804" y="817942"/>
+            <a:ext cx="11038388" cy="369332"/>
+          </a:xfrm>
+          <a:prstGeom prst="rect">
+            <a:avLst/>
+          </a:prstGeom>
+          <a:noFill/>
+        </p:spPr>
+        <p:txBody>
+          <a:bodyPr rot="0" spcFirstLastPara="0" vertOverflow="overflow" horzOverflow="overflow" vert="horz" wrap="square" lIns="91440" tIns="45720" rIns="91440" bIns="45720" numCol="1" spcCol="0" rtlCol="0" fromWordArt="0" anchor="t" anchorCtr="0" forceAA="0" compatLnSpc="1">
+            <a:prstTxWarp prst="textNoShape">
+              <a:avLst/>
+            </a:prstTxWarp>
+            <a:spAutoFit/>
+          </a:bodyPr>
+          <a:lstStyle/>
+          <a:p>
+            <a:r>
+              <a:rPr lang="en-US" dirty="0">
+                <a:solidFill>
+                  <a:schemeClr val="bg1"/>
+                </a:solidFill>
+              </a:rPr>
+              <a:t>4. Results</a:t>
+            </a:r>
+            <a:endParaRPr lang="en-US" dirty="0"/>
+          </a:p>
+        </p:txBody>
+      </p:sp>
+      <p:pic>
+        <p:nvPicPr>
+          <p:cNvPr id="2" name="Picture 3" descr="A screenshot of a cell phone&#10;&#10;Description generated with very high confidence">
+            <a:extLst>
+              <a:ext uri="{FF2B5EF4-FFF2-40B4-BE49-F238E27FC236}">
+                <a16:creationId xmlns:a16="http://schemas.microsoft.com/office/drawing/2014/main" id="{A6F91DEE-E29A-46EE-A39D-137F054C9360}"/>
+              </a:ext>
+            </a:extLst>
+          </p:cNvPr>
+          <p:cNvPicPr>
+            <a:picLocks noChangeAspect="1"/>
+          </p:cNvPicPr>
+          <p:nvPr/>
+        </p:nvPicPr>
+        <p:blipFill>
+          <a:blip r:embed="rId2"/>
+          <a:stretch>
+            <a:fillRect/>
+          </a:stretch>
+        </p:blipFill>
+        <p:spPr>
+          <a:xfrm>
+            <a:off x="827591" y="3316142"/>
+            <a:ext cx="10594693" cy="1682198"/>
+          </a:xfrm>
+          <a:prstGeom prst="rect">
+            <a:avLst/>
+          </a:prstGeom>
+        </p:spPr>
+      </p:pic>
+    </p:spTree>
+    <p:extLst>
+      <p:ext uri="{BB962C8B-B14F-4D97-AF65-F5344CB8AC3E}">
+        <p14:creationId xmlns:p14="http://schemas.microsoft.com/office/powerpoint/2010/main" val="1019400003"/>
+      </p:ext>
+    </p:extLst>
+  </p:cSld>
+  <p:clrMapOvr>
+    <a:masterClrMapping/>
+  </p:clrMapOvr>
+</p:sld>
+</file>
+
+<file path=ppt/slides/slide15.xml><?xml version="1.0" encoding="utf-8"?>
+<p:sld xmlns:a="http://schemas.openxmlformats.org/drawingml/2006/main" xmlns:r="http://schemas.openxmlformats.org/officeDocument/2006/relationships" xmlns:p="http://schemas.openxmlformats.org/presentationml/2006/main">
+  <p:cSld>
+    <p:spTree>
+      <p:nvGrpSpPr>
+        <p:cNvPr id="1" name=""/>
+        <p:cNvGrpSpPr/>
+        <p:nvPr/>
+      </p:nvGrpSpPr>
+      <p:grpSpPr>
+        <a:xfrm>
+          <a:off x="0" y="0"/>
+          <a:ext cx="0" cy="0"/>
+          <a:chOff x="0" y="0"/>
+          <a:chExt cx="0" cy="0"/>
+        </a:xfrm>
+      </p:grpSpPr>
+      <p:sp>
+        <p:nvSpPr>
+          <p:cNvPr id="3" name="コンテンツ プレースホルダー 2">
+            <a:extLst>
+              <a:ext uri="{FF2B5EF4-FFF2-40B4-BE49-F238E27FC236}">
+                <a16:creationId xmlns:a16="http://schemas.microsoft.com/office/drawing/2014/main" id="{C2F108A2-79D1-4D5F-82CF-15E72F702CF3}"/>
+              </a:ext>
+            </a:extLst>
+          </p:cNvPr>
+          <p:cNvSpPr>
+            <a:spLocks noGrp="1"/>
+          </p:cNvSpPr>
+          <p:nvPr>
+            <p:ph idx="1"/>
+          </p:nvPr>
+        </p:nvSpPr>
+        <p:spPr>
+          <a:xfrm>
+            <a:off x="581192" y="1929712"/>
+            <a:ext cx="10981387" cy="4693302"/>
+          </a:xfrm>
+        </p:spPr>
+        <p:txBody>
+          <a:bodyPr>
+            <a:normAutofit/>
+          </a:bodyPr>
+          <a:lstStyle/>
+          <a:p>
+            <a:pPr marL="305435" indent="-305435"/>
+            <a:endParaRPr lang="ja-JP" altLang="en-US" dirty="0">
+              <a:ea typeface="HGｺﾞｼｯｸE"/>
+            </a:endParaRPr>
+          </a:p>
+          <a:p>
+            <a:pPr marL="305435" indent="-305435"/>
+            <a:r>
+              <a:rPr lang="ja-JP" altLang="en-US">
+                <a:ea typeface="HGｺﾞｼｯｸE"/>
+                <a:cs typeface="+mn-lt"/>
+              </a:rPr>
               <a:t>ユーモアによるFalse popularityについて</a:t>
             </a:r>
             <a:endParaRPr lang="ja-JP" altLang="en-US" dirty="0">
@@ -5631,7 +5953,7 @@
 </p:sld>
 </file>
 
-<file path=ppt/slides/slide15.xml><?xml version="1.0" encoding="utf-8"?>
+<file path=ppt/slides/slide16.xml><?xml version="1.0" encoding="utf-8"?>
 <p:sld xmlns:a="http://schemas.openxmlformats.org/drawingml/2006/main" xmlns:r="http://schemas.openxmlformats.org/officeDocument/2006/relationships" xmlns:p="http://schemas.openxmlformats.org/presentationml/2006/main">
   <p:cSld>
     <p:spTree>
@@ -5865,7 +6187,7 @@
         </p:nvSpPr>
         <p:spPr>
           <a:xfrm>
-            <a:off x="576806" y="2737412"/>
+            <a:off x="576806" y="2603547"/>
             <a:ext cx="11009450" cy="400110"/>
           </a:xfrm>
           <a:prstGeom prst="rect">
@@ -6107,7 +6429,20 @@
                 <a:ea typeface="HGｺﾞｼｯｸE"/>
                 <a:cs typeface="+mn-lt"/>
               </a:rPr>
-              <a:t>Altmetricが関心を集めている。</a:t>
+              <a:t>学術文献言及ツイートを５分野からサンプリングして集中分析</a:t>
+            </a:r>
+          </a:p>
+          <a:p>
+            <a:pPr marL="305435" indent="-305435">
+              <a:buFont typeface="Arial" panose="05020102010507070707" pitchFamily="18" charset="2"/>
+              <a:buChar char="•"/>
+            </a:pPr>
+            <a:r>
+              <a:rPr lang="ja-JP" altLang="en-US">
+                <a:ea typeface="HGｺﾞｼｯｸE"/>
+                <a:cs typeface="+mn-lt"/>
+              </a:rPr>
+              <a:t>ユーザーの分類</a:t>
             </a:r>
             <a:endParaRPr lang="ja-JP" altLang="en-US" dirty="0">
               <a:ea typeface="HGｺﾞｼｯｸE"/>
@@ -6115,13 +6450,16 @@
             </a:endParaRPr>
           </a:p>
           <a:p>
-            <a:pPr marL="305435" indent="-305435"/>
+            <a:pPr marL="305435" indent="-305435">
+              <a:buFont typeface="Arial" panose="05020102010507070707" pitchFamily="18" charset="2"/>
+              <a:buChar char="•"/>
+            </a:pPr>
             <a:r>
               <a:rPr lang="ja-JP" altLang="en-US">
                 <a:ea typeface="HGｺﾞｼｯｸE"/>
                 <a:cs typeface="+mn-lt"/>
               </a:rPr>
-              <a:t>その中でツイッターはaltmetricの重要なソース</a:t>
+              <a:t>オリジナルツイーターの特徴</a:t>
             </a:r>
             <a:endParaRPr lang="ja-JP" altLang="en-US" dirty="0">
               <a:ea typeface="HGｺﾞｼｯｸE"/>
@@ -6129,13 +6467,16 @@
             </a:endParaRPr>
           </a:p>
           <a:p>
-            <a:pPr marL="305435" indent="-305435"/>
+            <a:pPr marL="305435" indent="-305435">
+              <a:buFont typeface="Arial" panose="05020102010507070707" pitchFamily="18" charset="2"/>
+              <a:buChar char="•"/>
+            </a:pPr>
             <a:r>
               <a:rPr lang="ja-JP" altLang="en-US">
                 <a:ea typeface="HGｺﾞｼｯｸE"/>
                 <a:cs typeface="+mn-lt"/>
               </a:rPr>
-              <a:t>ツイッター上のコミュニケーション規模は拡大しているが</a:t>
+              <a:t>リツイートの割合とクオリティー</a:t>
             </a:r>
             <a:endParaRPr lang="ja-JP" altLang="en-US" dirty="0">
               <a:ea typeface="HGｺﾞｼｯｸE"/>
@@ -6143,13 +6484,16 @@
             </a:endParaRPr>
           </a:p>
           <a:p>
-            <a:pPr marL="305435" indent="-305435"/>
+            <a:pPr marL="305435" indent="-305435">
+              <a:buFont typeface="Arial" panose="05020102010507070707" pitchFamily="18" charset="2"/>
+              <a:buChar char="•"/>
+            </a:pPr>
             <a:r>
               <a:rPr lang="ja-JP" altLang="en-US">
                 <a:ea typeface="HGｺﾞｼｯｸE"/>
                 <a:cs typeface="+mn-lt"/>
               </a:rPr>
-              <a:t>学術研究とツイッターの相互作用の研究は行われてきた。</a:t>
+              <a:t>ツイートの目的</a:t>
             </a:r>
             <a:endParaRPr lang="ja-JP" altLang="en-US" dirty="0">
               <a:ea typeface="HGｺﾞｼｯｸE"/>
@@ -6157,67 +6501,38 @@
             </a:endParaRPr>
           </a:p>
           <a:p>
-            <a:pPr marL="0" indent="0">
-              <a:buNone/>
-            </a:pPr>
+            <a:pPr marL="305435" indent="-305435"/>
             <a:r>
               <a:rPr lang="ja-JP" altLang="en-US">
                 <a:ea typeface="HGｺﾞｼｯｸE"/>
                 <a:cs typeface="+mn-lt"/>
               </a:rPr>
-              <a:t>…</a:t>
+              <a:t>Individual citizen, Individual researcherを主役として、様々なアクター存在</a:t>
+            </a:r>
+          </a:p>
+          <a:p>
+            <a:pPr marL="305435" indent="-305435"/>
+            <a:r>
+              <a:rPr lang="ja-JP" altLang="en-US">
+                <a:ea typeface="HGｺﾞｼｯｸE"/>
+                <a:cs typeface="+mn-lt"/>
+              </a:rPr>
+              <a:t>殆どのツイートは加工・ディベート無しの、単純拡散目的</a:t>
+            </a:r>
+          </a:p>
+          <a:p>
+            <a:pPr marL="305435" indent="-305435"/>
+            <a:r>
+              <a:rPr lang="ja-JP" altLang="en-US">
+                <a:ea typeface="HGｺﾞｼｯｸE"/>
+                <a:cs typeface="+mn-lt"/>
+              </a:rPr>
+              <a:t>botの役割が大きい</a:t>
             </a:r>
             <a:endParaRPr lang="ja-JP" altLang="en-US" dirty="0">
               <a:ea typeface="HGｺﾞｼｯｸE"/>
               <a:cs typeface="+mn-lt"/>
             </a:endParaRPr>
-          </a:p>
-          <a:p>
-            <a:pPr marL="305435" indent="-305435"/>
-            <a:endParaRPr lang="ja-JP" altLang="en-US" dirty="0">
-              <a:ea typeface="HGｺﾞｼｯｸE"/>
-              <a:cs typeface="+mn-lt"/>
-            </a:endParaRPr>
-          </a:p>
-          <a:p>
-            <a:pPr marL="305435" indent="-305435"/>
-            <a:r>
-              <a:rPr lang="ja-JP" altLang="en-US">
-                <a:ea typeface="HGｺﾞｼｯｸE"/>
-                <a:cs typeface="+mn-lt"/>
-              </a:rPr>
-              <a:t>本研究の目的：ツイッター上でのインタラクションの目的・内容の質的分析</a:t>
-            </a:r>
-            <a:endParaRPr lang="ja-JP" altLang="en-US" dirty="0">
-              <a:ea typeface="HGｺﾞｼｯｸE"/>
-              <a:cs typeface="+mn-lt"/>
-            </a:endParaRPr>
-          </a:p>
-          <a:p>
-            <a:pPr marL="667385" lvl="1" indent="0">
-              <a:buFont typeface="Arial" panose="05020102010507070707" pitchFamily="18" charset="2"/>
-              <a:buChar char="•"/>
-            </a:pPr>
-            <a:r>
-              <a:rPr lang="ja-JP" altLang="en-US">
-                <a:ea typeface="HGｺﾞｼｯｸE"/>
-                <a:cs typeface="+mn-lt"/>
-              </a:rPr>
-              <a:t>分野別に分けて分析</a:t>
-            </a:r>
-          </a:p>
-          <a:p>
-            <a:pPr marL="667385" lvl="1" indent="0">
-              <a:buFont typeface="Arial" panose="05020102010507070707" pitchFamily="18" charset="2"/>
-              <a:buChar char="•"/>
-            </a:pPr>
-            <a:r>
-              <a:rPr lang="ja-JP" altLang="en-US">
-                <a:ea typeface="HGｺﾞｼｯｸE"/>
-                <a:cs typeface="+mn-lt"/>
-              </a:rPr>
-              <a:t>データにより精密にラベルをつける（主に手作業で）</a:t>
-            </a:r>
           </a:p>
         </p:txBody>
       </p:sp>
@@ -6258,15 +6573,21 @@
                   <a:schemeClr val="bg1"/>
                 </a:solidFill>
               </a:rPr>
-              <a:t>1. Introduction</a:t>
-            </a:r>
+              <a:t>0. Abstract</a:t>
+            </a:r>
+            <a:endParaRPr lang="ko-KR" altLang="en-US" sz="2800" dirty="0">
+              <a:solidFill>
+                <a:schemeClr val="bg1"/>
+              </a:solidFill>
+              <a:ea typeface="휴먼매직체"/>
+            </a:endParaRPr>
           </a:p>
         </p:txBody>
       </p:sp>
     </p:spTree>
     <p:extLst>
       <p:ext uri="{BB962C8B-B14F-4D97-AF65-F5344CB8AC3E}">
-        <p14:creationId xmlns:p14="http://schemas.microsoft.com/office/powerpoint/2010/main" val="1347070254"/>
+        <p14:creationId xmlns:p14="http://schemas.microsoft.com/office/powerpoint/2010/main" val="4217413016"/>
       </p:ext>
     </p:extLst>
   </p:cSld>
@@ -6321,16 +6642,13 @@
           </a:bodyPr>
           <a:lstStyle/>
           <a:p>
-            <a:pPr marL="305435" indent="-305435">
-              <a:buFont typeface="Wingdings" panose="05020102010507070707" pitchFamily="18" charset="2"/>
-              <a:buChar char="§"/>
-            </a:pPr>
+            <a:pPr marL="305435" indent="-305435"/>
             <a:r>
               <a:rPr lang="ja-JP" altLang="en-US">
                 <a:ea typeface="HGｺﾞｼｯｸE"/>
                 <a:cs typeface="+mn-lt"/>
               </a:rPr>
-              <a:t>論文ツイートに関して</a:t>
+              <a:t>SNSは研究機会・相互作用・情報拡散の新しい手段として注目されている。</a:t>
             </a:r>
             <a:endParaRPr lang="ja-JP" altLang="en-US" dirty="0">
               <a:ea typeface="HGｺﾞｼｯｸE"/>
@@ -6338,15 +6656,13 @@
             </a:endParaRPr>
           </a:p>
           <a:p>
-            <a:pPr marL="342900" indent="-342900">
-              <a:buAutoNum type="arabicPeriod"/>
-            </a:pPr>
+            <a:pPr marL="305435" indent="-305435"/>
             <a:r>
               <a:rPr lang="ja-JP" altLang="en-US">
                 <a:ea typeface="HGｺﾞｼｯｸE"/>
                 <a:cs typeface="+mn-lt"/>
               </a:rPr>
-              <a:t>ツイートユーザーのタイプ・botの数</a:t>
+              <a:t>ツイッターは研究者と一般人間に、即時的・直接的なインタラクションを可能にする</a:t>
             </a:r>
             <a:endParaRPr lang="ja-JP" altLang="en-US" dirty="0">
               <a:ea typeface="HGｺﾞｼｯｸE"/>
@@ -6354,41 +6670,13 @@
             </a:endParaRPr>
           </a:p>
           <a:p>
-            <a:pPr marL="342900" indent="-342900">
-              <a:buAutoNum type="arabicPeriod"/>
-            </a:pPr>
+            <a:pPr marL="305435" indent="-305435"/>
             <a:r>
               <a:rPr lang="ja-JP" altLang="en-US">
                 <a:ea typeface="HGｺﾞｼｯｸE"/>
                 <a:cs typeface="+mn-lt"/>
               </a:rPr>
-              <a:t>ツイートの</a:t>
-            </a:r>
-            <a:r>
-              <a:rPr lang="ja-JP">
-                <a:ea typeface="+mn-lt"/>
-                <a:cs typeface="+mn-lt"/>
-              </a:rPr>
-              <a:t>オリジナル</a:t>
-            </a:r>
-            <a:r>
-              <a:rPr lang="ja-JP" altLang="en-US">
-                <a:ea typeface="HGｺﾞｼｯｸE"/>
-                <a:cs typeface="+mn-lt"/>
-              </a:rPr>
-              <a:t>投稿者のタイプ</a:t>
-            </a:r>
-          </a:p>
-          <a:p>
-            <a:pPr marL="342900" indent="-342900">
-              <a:buAutoNum type="arabicPeriod"/>
-            </a:pPr>
-            <a:r>
-              <a:rPr lang="ja-JP" altLang="en-US">
-                <a:ea typeface="HGｺﾞｼｯｸE"/>
-                <a:cs typeface="+mn-lt"/>
-              </a:rPr>
-              <a:t>ツイートを取り巻くインタラクションのquality</a:t>
+              <a:t>ツイッターはaltmetricの重要なソース</a:t>
             </a:r>
             <a:endParaRPr lang="ja-JP" altLang="en-US" dirty="0">
               <a:ea typeface="HGｺﾞｼｯｸE"/>
@@ -6396,44 +6684,96 @@
             </a:endParaRPr>
           </a:p>
           <a:p>
-            <a:pPr marL="342900" indent="-342900">
-              <a:buAutoNum type="arabicPeriod"/>
+            <a:pPr marL="305435" indent="-305435">
+              <a:buFont typeface="Arial" panose="05020102010507070707" pitchFamily="18" charset="2"/>
+              <a:buChar char="•"/>
             </a:pPr>
             <a:r>
               <a:rPr lang="ja-JP" altLang="en-US">
                 <a:ea typeface="HGｺﾞｼｯｸE"/>
                 <a:cs typeface="+mn-lt"/>
               </a:rPr>
-              <a:t>ツイートの目的</a:t>
-            </a:r>
-          </a:p>
-          <a:p>
-            <a:pPr marL="342900" indent="-342900">
-              <a:buAutoNum type="arabicPeriod"/>
-            </a:pPr>
-            <a:r>
-              <a:rPr lang="ja-JP" altLang="en-US">
-                <a:ea typeface="HGｺﾞｼｯｸE"/>
-                <a:cs typeface="+mn-lt"/>
-              </a:rPr>
-              <a:t>ツイートが特定コミュニティーと相互作用の度合い</a:t>
-            </a:r>
-          </a:p>
-          <a:p>
-            <a:pPr marL="342900" indent="-342900">
-              <a:buAutoNum type="arabicPeriod"/>
-            </a:pPr>
-            <a:r>
-              <a:rPr lang="ja-JP" altLang="en-US">
-                <a:ea typeface="HGｺﾞｼｯｸE"/>
-                <a:cs typeface="+mn-lt"/>
-              </a:rPr>
-              <a:t>ツイート上のユーモアが論文の認知度を高める度合い</a:t>
+              <a:t>しかしaltmetricの信頼性に関しては更なる研究が必要</a:t>
             </a:r>
             <a:endParaRPr lang="ja-JP" altLang="en-US" dirty="0">
               <a:ea typeface="HGｺﾞｼｯｸE"/>
               <a:cs typeface="+mn-lt"/>
             </a:endParaRPr>
+          </a:p>
+          <a:p>
+            <a:pPr marL="305435" indent="-305435"/>
+            <a:r>
+              <a:rPr lang="ja-JP" altLang="en-US">
+                <a:ea typeface="HGｺﾞｼｯｸE"/>
+                <a:cs typeface="+mn-lt"/>
+              </a:rPr>
+              <a:t>ツイッターで論文が注目される原理については定かでない：詐欺・出版取消・ユーモア（皮肉）・bot</a:t>
+            </a:r>
+            <a:endParaRPr lang="ja-JP" altLang="en-US" dirty="0">
+              <a:ea typeface="HGｺﾞｼｯｸE"/>
+              <a:cs typeface="+mn-lt"/>
+            </a:endParaRPr>
+          </a:p>
+          <a:p>
+            <a:pPr marL="305435" indent="-305435"/>
+            <a:r>
+              <a:rPr lang="ja-JP" altLang="en-US">
+                <a:ea typeface="HGｺﾞｼｯｸE"/>
+                <a:cs typeface="+mn-lt"/>
+              </a:rPr>
+              <a:t>ユーザーの定性的分類が何度か行われてきたが、手法・基準の違いで単純比較はできない</a:t>
+            </a:r>
+            <a:endParaRPr lang="ja-JP" altLang="en-US" dirty="0">
+              <a:ea typeface="HGｺﾞｼｯｸE"/>
+              <a:cs typeface="+mn-lt"/>
+            </a:endParaRPr>
+          </a:p>
+          <a:p>
+            <a:pPr marL="305435" indent="-305435"/>
+            <a:endParaRPr lang="ja-JP" altLang="en-US" dirty="0">
+              <a:ea typeface="HGｺﾞｼｯｸE"/>
+              <a:cs typeface="+mn-lt"/>
+            </a:endParaRPr>
+          </a:p>
+          <a:p>
+            <a:pPr marL="305435" indent="-305435"/>
+            <a:r>
+              <a:rPr lang="ja-JP" altLang="en-US">
+                <a:ea typeface="HGｺﾞｼｯｸE"/>
+                <a:cs typeface="+mn-lt"/>
+              </a:rPr>
+              <a:t>本研究の目的：ツイッター上でのインタラクションの目的・内容の質的分析</a:t>
+            </a:r>
+            <a:endParaRPr lang="ja-JP" altLang="en-US" dirty="0">
+              <a:ea typeface="HGｺﾞｼｯｸE"/>
+              <a:cs typeface="+mn-lt"/>
+            </a:endParaRPr>
+          </a:p>
+          <a:p>
+            <a:pPr marL="667385" lvl="1" indent="0">
+              <a:buFont typeface="Arial" panose="05020102010507070707" pitchFamily="18" charset="2"/>
+              <a:buChar char="•"/>
+            </a:pPr>
+            <a:r>
+              <a:rPr lang="ja-JP" altLang="en-US">
+                <a:ea typeface="HGｺﾞｼｯｸE"/>
+                <a:cs typeface="+mn-lt"/>
+              </a:rPr>
+              <a:t>複数分野に対して分析</a:t>
+            </a:r>
+          </a:p>
+          <a:p>
+            <a:pPr marL="667385" lvl="1" indent="0">
+              <a:buFont typeface="Arial" panose="05020102010507070707" pitchFamily="18" charset="2"/>
+              <a:buChar char="•"/>
+            </a:pPr>
+            <a:r>
+              <a:rPr lang="ja-JP" altLang="en-US">
+                <a:ea typeface="HGｺﾞｼｯｸE"/>
+                <a:cs typeface="+mn-lt"/>
+              </a:rPr>
+              <a:t>データにより精密にラベルをつける（主に手作業で）</a:t>
+            </a:r>
           </a:p>
         </p:txBody>
       </p:sp>
@@ -6474,20 +6814,15 @@
                   <a:schemeClr val="bg1"/>
                 </a:solidFill>
               </a:rPr>
-              <a:t>2. Research questions</a:t>
-            </a:r>
-            <a:endParaRPr lang="en-US" dirty="0">
-              <a:solidFill>
-                <a:schemeClr val="bg1"/>
-              </a:solidFill>
-            </a:endParaRPr>
+              <a:t>1. Introduction</a:t>
+            </a:r>
           </a:p>
         </p:txBody>
       </p:sp>
     </p:spTree>
     <p:extLst>
       <p:ext uri="{BB962C8B-B14F-4D97-AF65-F5344CB8AC3E}">
-        <p14:creationId xmlns:p14="http://schemas.microsoft.com/office/powerpoint/2010/main" val="4262507971"/>
+        <p14:creationId xmlns:p14="http://schemas.microsoft.com/office/powerpoint/2010/main" val="1347070254"/>
       </p:ext>
     </p:extLst>
   </p:cSld>
@@ -6542,13 +6877,16 @@
           </a:bodyPr>
           <a:lstStyle/>
           <a:p>
-            <a:pPr marL="305435" indent="-305435"/>
+            <a:pPr marL="305435" indent="-305435">
+              <a:buFont typeface="Wingdings" panose="05020102010507070707" pitchFamily="18" charset="2"/>
+              <a:buChar char="§"/>
+            </a:pPr>
             <a:r>
               <a:rPr lang="ja-JP" altLang="en-US">
                 <a:ea typeface="HGｺﾞｼｯｸE"/>
                 <a:cs typeface="+mn-lt"/>
               </a:rPr>
-              <a:t>Publications: WoS</a:t>
+              <a:t>論文ツイートに関して</a:t>
             </a:r>
             <a:endParaRPr lang="ja-JP" altLang="en-US" dirty="0">
               <a:ea typeface="HGｺﾞｼｯｸE"/>
@@ -6556,16 +6894,15 @@
             </a:endParaRPr>
           </a:p>
           <a:p>
-            <a:pPr marL="629920" lvl="1" indent="-305435">
-              <a:buFont typeface="Arial" panose="05020102010507070707" pitchFamily="18" charset="2"/>
-              <a:buChar char="•"/>
+            <a:pPr marL="342900" indent="-342900">
+              <a:buAutoNum type="arabicPeriod"/>
             </a:pPr>
             <a:r>
               <a:rPr lang="ja-JP" altLang="en-US">
                 <a:ea typeface="HGｺﾞｼｯｸE"/>
                 <a:cs typeface="+mn-lt"/>
               </a:rPr>
-              <a:t>大分野</a:t>
+              <a:t>ツイートユーザーのタイプ・botの数</a:t>
             </a:r>
             <a:endParaRPr lang="ja-JP" altLang="en-US" dirty="0">
               <a:ea typeface="HGｺﾞｼｯｸE"/>
@@ -6573,92 +6910,41 @@
             </a:endParaRPr>
           </a:p>
           <a:p>
-            <a:pPr marL="899795" lvl="2" indent="-269875">
-              <a:buFont typeface="Courier New" panose="05020102010507070707" pitchFamily="18" charset="2"/>
-              <a:buChar char="o"/>
+            <a:pPr marL="342900" indent="-342900">
+              <a:buAutoNum type="arabicPeriod"/>
             </a:pPr>
             <a:r>
               <a:rPr lang="ja-JP" altLang="en-US">
                 <a:ea typeface="HGｺﾞｼｯｸE"/>
                 <a:cs typeface="+mn-lt"/>
               </a:rPr>
-              <a:t>Social&amp;Humanities</a:t>
-            </a:r>
-          </a:p>
-          <a:p>
-            <a:pPr marL="899795" lvl="2" indent="-269875">
-              <a:buFont typeface="Courier New" panose="05020102010507070707" pitchFamily="18" charset="2"/>
-              <a:buChar char="o"/>
-            </a:pPr>
+              <a:t>ツイートの</a:t>
+            </a:r>
+            <a:r>
+              <a:rPr lang="ja-JP">
+                <a:ea typeface="+mn-lt"/>
+                <a:cs typeface="+mn-lt"/>
+              </a:rPr>
+              <a:t>オリジナル</a:t>
+            </a:r>
             <a:r>
               <a:rPr lang="ja-JP" altLang="en-US">
                 <a:ea typeface="HGｺﾞｼｯｸE"/>
                 <a:cs typeface="+mn-lt"/>
               </a:rPr>
-              <a:t>Biomed&amp;Health</a:t>
-            </a:r>
-          </a:p>
-          <a:p>
-            <a:pPr marL="899795" lvl="2" indent="-269875">
-              <a:buFont typeface="Courier New" panose="05020102010507070707" pitchFamily="18" charset="2"/>
-              <a:buChar char="o"/>
+              <a:t>投稿者のタイプ</a:t>
+            </a:r>
+          </a:p>
+          <a:p>
+            <a:pPr marL="342900" indent="-342900">
+              <a:buAutoNum type="arabicPeriod"/>
             </a:pPr>
             <a:r>
               <a:rPr lang="ja-JP" altLang="en-US">
                 <a:ea typeface="HGｺﾞｼｯｸE"/>
                 <a:cs typeface="+mn-lt"/>
               </a:rPr>
-              <a:t>Life&amp;Earth</a:t>
-            </a:r>
-            <a:endParaRPr lang="ja-JP">
-              <a:ea typeface="HGｺﾞｼｯｸE" panose="020B0909000000000000" pitchFamily="49" charset="-128"/>
-              <a:cs typeface="+mn-lt"/>
-            </a:endParaRPr>
-          </a:p>
-          <a:p>
-            <a:pPr marL="899795" lvl="2" indent="-269875">
-              <a:buFont typeface="Courier New" panose="05020102010507070707" pitchFamily="18" charset="2"/>
-              <a:buChar char="o"/>
-            </a:pPr>
-            <a:r>
-              <a:rPr lang="ja-JP" altLang="en-US">
-                <a:ea typeface="HGｺﾞｼｯｸE"/>
-                <a:cs typeface="+mn-lt"/>
-              </a:rPr>
-              <a:t>Physical&amp;Engineering</a:t>
-            </a:r>
-            <a:endParaRPr lang="ja-JP">
-              <a:ea typeface="HGｺﾞｼｯｸE"/>
-              <a:cs typeface="+mn-lt"/>
-            </a:endParaRPr>
-          </a:p>
-          <a:p>
-            <a:pPr marL="899795" lvl="2" indent="-269875">
-              <a:buFont typeface="Courier New" panose="05020102010507070707" pitchFamily="18" charset="2"/>
-              <a:buChar char="o"/>
-            </a:pPr>
-            <a:r>
-              <a:rPr lang="ja-JP" altLang="en-US">
-                <a:ea typeface="HGｺﾞｼｯｸE"/>
-                <a:cs typeface="+mn-lt"/>
-              </a:rPr>
-              <a:t>Math&amp;Computer</a:t>
-            </a:r>
-            <a:endParaRPr lang="ja-JP">
-              <a:ea typeface="HGｺﾞｼｯｸE"/>
-            </a:endParaRPr>
-          </a:p>
-          <a:p>
-            <a:pPr marL="629920" lvl="1" indent="-305435">
-              <a:buFont typeface="Arial" panose="05020102010507070707" pitchFamily="18" charset="2"/>
-              <a:buChar char="•"/>
-            </a:pPr>
-            <a:r>
-              <a:rPr lang="ja-JP" altLang="en-US">
-                <a:ea typeface="HGｺﾞｼｯｸE"/>
-                <a:cs typeface="+mn-lt"/>
-              </a:rPr>
-              <a:t>各大分野の下、論稿当たり平均被引用数が最も高い少分野を選択</a:t>
+              <a:t>ツイートを取り巻くインタラクションのquality</a:t>
             </a:r>
             <a:endParaRPr lang="ja-JP" altLang="en-US" dirty="0">
               <a:ea typeface="HGｺﾞｼｯｸE"/>
@@ -6666,24 +6952,40 @@
             </a:endParaRPr>
           </a:p>
           <a:p>
-            <a:pPr marL="629920" lvl="1" indent="-305435">
-              <a:buFont typeface="Arial" panose="05020102010507070707" pitchFamily="18" charset="2"/>
-              <a:buChar char="•"/>
+            <a:pPr marL="342900" indent="-342900">
+              <a:buAutoNum type="arabicPeriod"/>
             </a:pPr>
             <a:r>
               <a:rPr lang="ja-JP" altLang="en-US">
                 <a:ea typeface="HGｺﾞｼｯｸE"/>
                 <a:cs typeface="+mn-lt"/>
               </a:rPr>
-              <a:t>各小分野から論稿６０本取得</a:t>
-            </a:r>
-            <a:endParaRPr lang="ja-JP" altLang="en-US" dirty="0">
-              <a:ea typeface="HGｺﾞｼｯｸE"/>
-              <a:cs typeface="+mn-lt"/>
-            </a:endParaRPr>
-          </a:p>
-          <a:p>
-            <a:pPr marL="305435" indent="-305435"/>
+              <a:t>ツイートの目的</a:t>
+            </a:r>
+          </a:p>
+          <a:p>
+            <a:pPr marL="342900" indent="-342900">
+              <a:buAutoNum type="arabicPeriod"/>
+            </a:pPr>
+            <a:r>
+              <a:rPr lang="ja-JP" altLang="en-US">
+                <a:ea typeface="HGｺﾞｼｯｸE"/>
+                <a:cs typeface="+mn-lt"/>
+              </a:rPr>
+              <a:t>ツイートが特定コミュニティーと相互作用の度合い</a:t>
+            </a:r>
+          </a:p>
+          <a:p>
+            <a:pPr marL="342900" indent="-342900">
+              <a:buAutoNum type="arabicPeriod"/>
+            </a:pPr>
+            <a:r>
+              <a:rPr lang="ja-JP" altLang="en-US">
+                <a:ea typeface="HGｺﾞｼｯｸE"/>
+                <a:cs typeface="+mn-lt"/>
+              </a:rPr>
+              <a:t>ツイート上のユーモアが論文の認知度を高める度合い</a:t>
+            </a:r>
             <a:endParaRPr lang="ja-JP" altLang="en-US" dirty="0">
               <a:ea typeface="HGｺﾞｼｯｸE"/>
               <a:cs typeface="+mn-lt"/>
@@ -6728,7 +7030,7 @@
                   <a:schemeClr val="bg1"/>
                 </a:solidFill>
               </a:rPr>
-              <a:t>3. Methods(1/2)</a:t>
+              <a:t>2. Research questions</a:t>
             </a:r>
             <a:endParaRPr lang="en-US" dirty="0">
               <a:solidFill>
@@ -6738,52 +7040,10 @@
           </a:p>
         </p:txBody>
       </p:sp>
-      <p:sp>
-        <p:nvSpPr>
-          <p:cNvPr id="6" name="TextBox 5">
-            <a:extLst>
-              <a:ext uri="{FF2B5EF4-FFF2-40B4-BE49-F238E27FC236}">
-                <a16:creationId xmlns:a16="http://schemas.microsoft.com/office/drawing/2014/main" id="{6111FAC0-E902-4854-BB15-70A59A4024D3}"/>
-              </a:ext>
-            </a:extLst>
-          </p:cNvPr>
-          <p:cNvSpPr txBox="1"/>
-          <p:nvPr/>
-        </p:nvSpPr>
-        <p:spPr>
-          <a:xfrm>
-            <a:off x="576804" y="817942"/>
-            <a:ext cx="11038388" cy="369332"/>
-          </a:xfrm>
-          <a:prstGeom prst="rect">
-            <a:avLst/>
-          </a:prstGeom>
-          <a:noFill/>
-        </p:spPr>
-        <p:txBody>
-          <a:bodyPr rot="0" spcFirstLastPara="0" vertOverflow="overflow" horzOverflow="overflow" vert="horz" wrap="square" lIns="91440" tIns="45720" rIns="91440" bIns="45720" numCol="1" spcCol="0" rtlCol="0" fromWordArt="0" anchor="t" anchorCtr="0" forceAA="0" compatLnSpc="1">
-            <a:prstTxWarp prst="textNoShape">
-              <a:avLst/>
-            </a:prstTxWarp>
-            <a:spAutoFit/>
-          </a:bodyPr>
-          <a:lstStyle/>
-          <a:p>
-            <a:r>
-              <a:rPr lang="en-US" dirty="0">
-                <a:solidFill>
-                  <a:schemeClr val="bg1"/>
-                </a:solidFill>
-              </a:rPr>
-              <a:t>3. Methods</a:t>
-            </a:r>
-          </a:p>
-        </p:txBody>
-      </p:sp>
     </p:spTree>
     <p:extLst>
       <p:ext uri="{BB962C8B-B14F-4D97-AF65-F5344CB8AC3E}">
-        <p14:creationId xmlns:p14="http://schemas.microsoft.com/office/powerpoint/2010/main" val="2059307630"/>
+        <p14:creationId xmlns:p14="http://schemas.microsoft.com/office/powerpoint/2010/main" val="4262507971"/>
       </p:ext>
     </p:extLst>
   </p:cSld>
@@ -6812,6 +7072,183 @@
       </p:grpSpPr>
       <p:sp>
         <p:nvSpPr>
+          <p:cNvPr id="3" name="コンテンツ プレースホルダー 2">
+            <a:extLst>
+              <a:ext uri="{FF2B5EF4-FFF2-40B4-BE49-F238E27FC236}">
+                <a16:creationId xmlns:a16="http://schemas.microsoft.com/office/drawing/2014/main" id="{C2F108A2-79D1-4D5F-82CF-15E72F702CF3}"/>
+              </a:ext>
+            </a:extLst>
+          </p:cNvPr>
+          <p:cNvSpPr>
+            <a:spLocks noGrp="1"/>
+          </p:cNvSpPr>
+          <p:nvPr>
+            <p:ph idx="1"/>
+          </p:nvPr>
+        </p:nvSpPr>
+        <p:spPr>
+          <a:xfrm>
+            <a:off x="581192" y="2180496"/>
+            <a:ext cx="11029615" cy="4018113"/>
+          </a:xfrm>
+        </p:spPr>
+        <p:txBody>
+          <a:bodyPr>
+            <a:normAutofit/>
+          </a:bodyPr>
+          <a:lstStyle/>
+          <a:p>
+            <a:pPr marL="305435" indent="-305435"/>
+            <a:r>
+              <a:rPr lang="ja-JP" altLang="en-US">
+                <a:ea typeface="HGｺﾞｼｯｸE"/>
+                <a:cs typeface="+mn-lt"/>
+              </a:rPr>
+              <a:t>Publications: WoS</a:t>
+            </a:r>
+            <a:endParaRPr lang="ja-JP" altLang="en-US" dirty="0">
+              <a:ea typeface="HGｺﾞｼｯｸE"/>
+              <a:cs typeface="+mn-lt"/>
+            </a:endParaRPr>
+          </a:p>
+          <a:p>
+            <a:pPr marL="629920" lvl="1" indent="-305435">
+              <a:buFont typeface="Arial" panose="05020102010507070707" pitchFamily="18" charset="2"/>
+              <a:buChar char="•"/>
+            </a:pPr>
+            <a:r>
+              <a:rPr lang="ja-JP" altLang="en-US">
+                <a:ea typeface="HGｺﾞｼｯｸE"/>
+                <a:cs typeface="+mn-lt"/>
+              </a:rPr>
+              <a:t>大分野</a:t>
+            </a:r>
+            <a:endParaRPr lang="ja-JP" altLang="en-US" dirty="0">
+              <a:ea typeface="HGｺﾞｼｯｸE"/>
+              <a:cs typeface="+mn-lt"/>
+            </a:endParaRPr>
+          </a:p>
+          <a:p>
+            <a:pPr marL="899795" lvl="2" indent="-269875">
+              <a:buFont typeface="Courier New" panose="05020102010507070707" pitchFamily="18" charset="2"/>
+              <a:buChar char="o"/>
+            </a:pPr>
+            <a:r>
+              <a:rPr lang="ja-JP" altLang="en-US">
+                <a:ea typeface="HGｺﾞｼｯｸE"/>
+                <a:cs typeface="+mn-lt"/>
+              </a:rPr>
+              <a:t>Social&amp;Humanities</a:t>
+            </a:r>
+          </a:p>
+          <a:p>
+            <a:pPr marL="899795" lvl="2" indent="-269875">
+              <a:buFont typeface="Courier New" panose="05020102010507070707" pitchFamily="18" charset="2"/>
+              <a:buChar char="o"/>
+            </a:pPr>
+            <a:r>
+              <a:rPr lang="ja-JP" altLang="en-US">
+                <a:ea typeface="HGｺﾞｼｯｸE"/>
+                <a:cs typeface="+mn-lt"/>
+              </a:rPr>
+              <a:t>Biomed&amp;Health</a:t>
+            </a:r>
+          </a:p>
+          <a:p>
+            <a:pPr marL="899795" lvl="2" indent="-269875">
+              <a:buFont typeface="Courier New" panose="05020102010507070707" pitchFamily="18" charset="2"/>
+              <a:buChar char="o"/>
+            </a:pPr>
+            <a:r>
+              <a:rPr lang="ja-JP" altLang="en-US">
+                <a:ea typeface="HGｺﾞｼｯｸE"/>
+                <a:cs typeface="+mn-lt"/>
+              </a:rPr>
+              <a:t>Life&amp;Earth</a:t>
+            </a:r>
+            <a:endParaRPr lang="ja-JP">
+              <a:ea typeface="HGｺﾞｼｯｸE" panose="020B0909000000000000" pitchFamily="49" charset="-128"/>
+              <a:cs typeface="+mn-lt"/>
+            </a:endParaRPr>
+          </a:p>
+          <a:p>
+            <a:pPr marL="899795" lvl="2" indent="-269875">
+              <a:buFont typeface="Courier New" panose="05020102010507070707" pitchFamily="18" charset="2"/>
+              <a:buChar char="o"/>
+            </a:pPr>
+            <a:r>
+              <a:rPr lang="ja-JP" altLang="en-US">
+                <a:ea typeface="HGｺﾞｼｯｸE"/>
+                <a:cs typeface="+mn-lt"/>
+              </a:rPr>
+              <a:t>Physical&amp;Engineering</a:t>
+            </a:r>
+            <a:endParaRPr lang="ja-JP">
+              <a:ea typeface="HGｺﾞｼｯｸE"/>
+              <a:cs typeface="+mn-lt"/>
+            </a:endParaRPr>
+          </a:p>
+          <a:p>
+            <a:pPr marL="899795" lvl="2" indent="-269875">
+              <a:buFont typeface="Courier New" panose="05020102010507070707" pitchFamily="18" charset="2"/>
+              <a:buChar char="o"/>
+            </a:pPr>
+            <a:r>
+              <a:rPr lang="ja-JP" altLang="en-US">
+                <a:ea typeface="HGｺﾞｼｯｸE"/>
+                <a:cs typeface="+mn-lt"/>
+              </a:rPr>
+              <a:t>Math&amp;Computer</a:t>
+            </a:r>
+            <a:endParaRPr lang="ja-JP">
+              <a:ea typeface="HGｺﾞｼｯｸE"/>
+            </a:endParaRPr>
+          </a:p>
+          <a:p>
+            <a:pPr marL="629920" lvl="1" indent="-305435">
+              <a:buFont typeface="Arial" panose="05020102010507070707" pitchFamily="18" charset="2"/>
+              <a:buChar char="•"/>
+            </a:pPr>
+            <a:r>
+              <a:rPr lang="ja-JP" altLang="en-US">
+                <a:ea typeface="HGｺﾞｼｯｸE"/>
+                <a:cs typeface="+mn-lt"/>
+              </a:rPr>
+              <a:t>各大分野の下、論稿当たり平均被引用数が最も高い少分野を選択</a:t>
+            </a:r>
+            <a:endParaRPr lang="ja-JP" altLang="en-US" dirty="0">
+              <a:ea typeface="HGｺﾞｼｯｸE"/>
+              <a:cs typeface="+mn-lt"/>
+            </a:endParaRPr>
+          </a:p>
+          <a:p>
+            <a:pPr marL="629920" lvl="1" indent="-305435">
+              <a:buFont typeface="Arial" panose="05020102010507070707" pitchFamily="18" charset="2"/>
+              <a:buChar char="•"/>
+            </a:pPr>
+            <a:r>
+              <a:rPr lang="ja-JP" altLang="en-US">
+                <a:ea typeface="HGｺﾞｼｯｸE"/>
+                <a:cs typeface="+mn-lt"/>
+              </a:rPr>
+              <a:t>各小分野から論稿６０本取得</a:t>
+            </a:r>
+            <a:endParaRPr lang="ja-JP" altLang="en-US" dirty="0">
+              <a:ea typeface="HGｺﾞｼｯｸE"/>
+              <a:cs typeface="+mn-lt"/>
+            </a:endParaRPr>
+          </a:p>
+          <a:p>
+            <a:pPr marL="305435" indent="-305435"/>
+            <a:endParaRPr lang="ja-JP" altLang="en-US" dirty="0">
+              <a:ea typeface="HGｺﾞｼｯｸE"/>
+              <a:cs typeface="+mn-lt"/>
+            </a:endParaRPr>
+          </a:p>
+        </p:txBody>
+      </p:sp>
+      <p:sp>
+        <p:nvSpPr>
           <p:cNvPr id="7" name="TextBox 6">
             <a:extLst>
               <a:ext uri="{FF2B5EF4-FFF2-40B4-BE49-F238E27FC236}">
@@ -6847,9 +7284,13 @@
                   <a:schemeClr val="bg1"/>
                 </a:solidFill>
               </a:rPr>
-              <a:t>3. Methods</a:t>
-            </a:r>
-            <a:endParaRPr lang="en-US" dirty="0"/>
+              <a:t>3. Methods(1/2)</a:t>
+            </a:r>
+            <a:endParaRPr lang="en-US" dirty="0">
+              <a:solidFill>
+                <a:schemeClr val="bg1"/>
+              </a:solidFill>
+            </a:endParaRPr>
           </a:p>
         </p:txBody>
       </p:sp>
@@ -6895,69 +7336,10 @@
           </a:p>
         </p:txBody>
       </p:sp>
-      <p:pic>
-        <p:nvPicPr>
-          <p:cNvPr id="5" name="Picture 7" descr="A screenshot of a cell phone&#10;&#10;Description generated with very high confidence">
-            <a:extLst>
-              <a:ext uri="{FF2B5EF4-FFF2-40B4-BE49-F238E27FC236}">
-                <a16:creationId xmlns:a16="http://schemas.microsoft.com/office/drawing/2014/main" id="{09DD9002-2D33-40A8-9574-CADC01A052D5}"/>
-              </a:ext>
-            </a:extLst>
-          </p:cNvPr>
-          <p:cNvPicPr>
-            <a:picLocks noGrp="1" noChangeAspect="1"/>
-          </p:cNvPicPr>
-          <p:nvPr>
-            <p:ph idx="1"/>
-          </p:nvPr>
-        </p:nvPicPr>
-        <p:blipFill>
-          <a:blip r:embed="rId2"/>
-          <a:stretch>
-            <a:fillRect/>
-          </a:stretch>
-        </p:blipFill>
-        <p:spPr>
-          <a:xfrm>
-            <a:off x="542610" y="4823395"/>
-            <a:ext cx="11029615" cy="2038531"/>
-          </a:xfrm>
-        </p:spPr>
-      </p:pic>
-      <p:pic>
-        <p:nvPicPr>
-          <p:cNvPr id="8" name="Picture 8" descr="A screenshot of a cell phone&#10;&#10;Description generated with very high confidence">
-            <a:extLst>
-              <a:ext uri="{FF2B5EF4-FFF2-40B4-BE49-F238E27FC236}">
-                <a16:creationId xmlns:a16="http://schemas.microsoft.com/office/drawing/2014/main" id="{D28BAEE6-4651-46A3-B61A-3445848C7277}"/>
-              </a:ext>
-            </a:extLst>
-          </p:cNvPr>
-          <p:cNvPicPr>
-            <a:picLocks noChangeAspect="1"/>
-          </p:cNvPicPr>
-          <p:nvPr/>
-        </p:nvPicPr>
-        <p:blipFill>
-          <a:blip r:embed="rId3"/>
-          <a:stretch>
-            <a:fillRect/>
-          </a:stretch>
-        </p:blipFill>
-        <p:spPr>
-          <a:xfrm>
-            <a:off x="605742" y="140776"/>
-            <a:ext cx="10970870" cy="4763080"/>
-          </a:xfrm>
-          <a:prstGeom prst="rect">
-            <a:avLst/>
-          </a:prstGeom>
-        </p:spPr>
-      </p:pic>
     </p:spTree>
     <p:extLst>
       <p:ext uri="{BB962C8B-B14F-4D97-AF65-F5344CB8AC3E}">
-        <p14:creationId xmlns:p14="http://schemas.microsoft.com/office/powerpoint/2010/main" val="3371857690"/>
+        <p14:creationId xmlns:p14="http://schemas.microsoft.com/office/powerpoint/2010/main" val="2059307630"/>
       </p:ext>
     </p:extLst>
   </p:cSld>
@@ -7265,141 +7647,6 @@
       </p:grpSpPr>
       <p:sp>
         <p:nvSpPr>
-          <p:cNvPr id="3" name="コンテンツ プレースホルダー 2">
-            <a:extLst>
-              <a:ext uri="{FF2B5EF4-FFF2-40B4-BE49-F238E27FC236}">
-                <a16:creationId xmlns:a16="http://schemas.microsoft.com/office/drawing/2014/main" id="{C2F108A2-79D1-4D5F-82CF-15E72F702CF3}"/>
-              </a:ext>
-            </a:extLst>
-          </p:cNvPr>
-          <p:cNvSpPr>
-            <a:spLocks noGrp="1"/>
-          </p:cNvSpPr>
-          <p:nvPr>
-            <p:ph idx="1"/>
-          </p:nvPr>
-        </p:nvSpPr>
-        <p:spPr>
-          <a:xfrm>
-            <a:off x="581192" y="1929712"/>
-            <a:ext cx="11029615" cy="4693302"/>
-          </a:xfrm>
-        </p:spPr>
-        <p:txBody>
-          <a:bodyPr>
-            <a:normAutofit/>
-          </a:bodyPr>
-          <a:lstStyle/>
-          <a:p>
-            <a:pPr marL="305435" indent="-305435"/>
-            <a:r>
-              <a:rPr lang="ja-JP">
-                <a:ea typeface="+mn-lt"/>
-                <a:cs typeface="+mn-lt"/>
-              </a:rPr>
-              <a:t>各ツイートのユーザータイプを手作業で分類</a:t>
-            </a:r>
-            <a:endParaRPr lang="ja-JP" altLang="en-US" dirty="0">
-              <a:ea typeface="+mn-lt"/>
-              <a:cs typeface="+mn-lt"/>
-            </a:endParaRPr>
-          </a:p>
-          <a:p>
-            <a:pPr marL="305435" indent="-305435"/>
-            <a:endParaRPr lang="ja-JP" altLang="en-US" dirty="0">
-              <a:ea typeface="+mn-lt"/>
-              <a:cs typeface="+mn-lt"/>
-            </a:endParaRPr>
-          </a:p>
-          <a:p>
-            <a:pPr marL="305435" indent="-305435"/>
-            <a:endParaRPr lang="ja-JP" altLang="en-US" dirty="0">
-              <a:ea typeface="+mn-lt"/>
-              <a:cs typeface="+mn-lt"/>
-            </a:endParaRPr>
-          </a:p>
-          <a:p>
-            <a:pPr marL="305435" indent="-305435"/>
-            <a:endParaRPr lang="ja-JP" altLang="en-US" dirty="0">
-              <a:ea typeface="+mn-lt"/>
-              <a:cs typeface="+mn-lt"/>
-            </a:endParaRPr>
-          </a:p>
-          <a:p>
-            <a:pPr marL="305435" indent="-305435"/>
-            <a:endParaRPr lang="ja-JP" altLang="en-US" dirty="0">
-              <a:ea typeface="+mn-lt"/>
-              <a:cs typeface="+mn-lt"/>
-            </a:endParaRPr>
-          </a:p>
-          <a:p>
-            <a:pPr marL="305435" indent="-305435"/>
-            <a:endParaRPr lang="ja-JP" altLang="en-US" dirty="0">
-              <a:ea typeface="+mn-lt"/>
-              <a:cs typeface="+mn-lt"/>
-            </a:endParaRPr>
-          </a:p>
-          <a:p>
-            <a:pPr marL="305435" indent="-305435"/>
-            <a:endParaRPr lang="ja-JP" altLang="en-US" dirty="0">
-              <a:ea typeface="+mn-lt"/>
-              <a:cs typeface="+mn-lt"/>
-            </a:endParaRPr>
-          </a:p>
-          <a:p>
-            <a:pPr marL="305435" indent="-305435"/>
-            <a:endParaRPr lang="ja-JP" altLang="en-US" dirty="0">
-              <a:ea typeface="HGｺﾞｼｯｸE"/>
-            </a:endParaRPr>
-          </a:p>
-          <a:p>
-            <a:pPr marL="305435" indent="-305435"/>
-            <a:r>
-              <a:rPr lang="ja-JP" altLang="en-US">
-                <a:ea typeface="+mn-lt"/>
-                <a:cs typeface="+mn-lt"/>
-              </a:rPr>
-              <a:t>Social&amp;Humanities 43%, Physical&amp;Engineering 62%: Individual citizens</a:t>
-            </a:r>
-          </a:p>
-          <a:p>
-            <a:pPr marL="629920" lvl="1" indent="-305435">
-              <a:buFont typeface="Arial" panose="05020102010507070707" pitchFamily="18" charset="2"/>
-              <a:buChar char="•"/>
-            </a:pPr>
-            <a:r>
-              <a:rPr lang="ja-JP" altLang="en-US">
-                <a:ea typeface="+mn-lt"/>
-                <a:cs typeface="+mn-lt"/>
-              </a:rPr>
-              <a:t>但し、Physical&amp;Engineeringでは大規模なsexually-charged acronymが見られたため、一般化できない</a:t>
-            </a:r>
-          </a:p>
-          <a:p>
-            <a:pPr marL="305435" indent="-305435"/>
-            <a:r>
-              <a:rPr lang="ja-JP" altLang="en-US">
-                <a:ea typeface="+mn-lt"/>
-                <a:cs typeface="+mn-lt"/>
-              </a:rPr>
-              <a:t>Biomed&amp;Health: Individual professionals, Math&amp;Computer: Individual researchersが最も大きい</a:t>
-            </a:r>
-            <a:endParaRPr lang="ja-JP" altLang="en-US" dirty="0">
-              <a:ea typeface="+mn-lt"/>
-              <a:cs typeface="+mn-lt"/>
-            </a:endParaRPr>
-          </a:p>
-          <a:p>
-            <a:pPr marL="305435" indent="-305435"/>
-            <a:endParaRPr lang="ja-JP" altLang="en-US" dirty="0">
-              <a:ea typeface="+mn-lt"/>
-              <a:cs typeface="+mn-lt"/>
-            </a:endParaRPr>
-          </a:p>
-        </p:txBody>
-      </p:sp>
-      <p:sp>
-        <p:nvSpPr>
           <p:cNvPr id="7" name="TextBox 6">
             <a:extLst>
               <a:ext uri="{FF2B5EF4-FFF2-40B4-BE49-F238E27FC236}">
@@ -7435,13 +7682,9 @@
                   <a:schemeClr val="bg1"/>
                 </a:solidFill>
               </a:rPr>
-              <a:t>4.1 User types and bot accounts(1/2)</a:t>
-            </a:r>
-            <a:endParaRPr lang="en-US" dirty="0">
-              <a:solidFill>
-                <a:schemeClr val="bg1"/>
-              </a:solidFill>
-            </a:endParaRPr>
+              <a:t>3. Methods</a:t>
+            </a:r>
+            <a:endParaRPr lang="en-US" dirty="0"/>
           </a:p>
         </p:txBody>
       </p:sp>
@@ -7482,18 +7725,46 @@
                   <a:schemeClr val="bg1"/>
                 </a:solidFill>
               </a:rPr>
-              <a:t>4. Results</a:t>
-            </a:r>
-            <a:endParaRPr lang="en-US" dirty="0"/>
+              <a:t>3. Methods</a:t>
+            </a:r>
           </a:p>
         </p:txBody>
       </p:sp>
       <p:pic>
         <p:nvPicPr>
-          <p:cNvPr id="2" name="Picture 3" descr="A screenshot of a cell phone&#10;&#10;Description generated with high confidence">
+          <p:cNvPr id="5" name="Picture 7" descr="A screenshot of a cell phone&#10;&#10;Description generated with very high confidence">
             <a:extLst>
               <a:ext uri="{FF2B5EF4-FFF2-40B4-BE49-F238E27FC236}">
-                <a16:creationId xmlns:a16="http://schemas.microsoft.com/office/drawing/2014/main" id="{1E951480-3F9E-422A-8465-FC8C6421AE36}"/>
+                <a16:creationId xmlns:a16="http://schemas.microsoft.com/office/drawing/2014/main" id="{09DD9002-2D33-40A8-9574-CADC01A052D5}"/>
+              </a:ext>
+            </a:extLst>
+          </p:cNvPr>
+          <p:cNvPicPr>
+            <a:picLocks noGrp="1" noChangeAspect="1"/>
+          </p:cNvPicPr>
+          <p:nvPr>
+            <p:ph idx="1"/>
+          </p:nvPr>
+        </p:nvPicPr>
+        <p:blipFill>
+          <a:blip r:embed="rId2"/>
+          <a:stretch>
+            <a:fillRect/>
+          </a:stretch>
+        </p:blipFill>
+        <p:spPr>
+          <a:xfrm>
+            <a:off x="542610" y="4823395"/>
+            <a:ext cx="11029615" cy="2038531"/>
+          </a:xfrm>
+        </p:spPr>
+      </p:pic>
+      <p:pic>
+        <p:nvPicPr>
+          <p:cNvPr id="8" name="Picture 8" descr="A screenshot of a cell phone&#10;&#10;Description generated with very high confidence">
+            <a:extLst>
+              <a:ext uri="{FF2B5EF4-FFF2-40B4-BE49-F238E27FC236}">
+                <a16:creationId xmlns:a16="http://schemas.microsoft.com/office/drawing/2014/main" id="{D28BAEE6-4651-46A3-B61A-3445848C7277}"/>
               </a:ext>
             </a:extLst>
           </p:cNvPr>
@@ -7503,15 +7774,15 @@
           <p:nvPr/>
         </p:nvPicPr>
         <p:blipFill>
-          <a:blip r:embed="rId2"/>
+          <a:blip r:embed="rId3"/>
           <a:stretch>
             <a:fillRect/>
           </a:stretch>
         </p:blipFill>
         <p:spPr>
           <a:xfrm>
-            <a:off x="2303362" y="2326936"/>
-            <a:ext cx="7594921" cy="2647824"/>
+            <a:off x="605742" y="140776"/>
+            <a:ext cx="10970870" cy="4763080"/>
           </a:xfrm>
           <a:prstGeom prst="rect">
             <a:avLst/>
@@ -7521,7 +7792,7 @@
     </p:spTree>
     <p:extLst>
       <p:ext uri="{BB962C8B-B14F-4D97-AF65-F5344CB8AC3E}">
-        <p14:creationId xmlns:p14="http://schemas.microsoft.com/office/powerpoint/2010/main" val="465364337"/>
+        <p14:creationId xmlns:p14="http://schemas.microsoft.com/office/powerpoint/2010/main" val="3371857690"/>
       </p:ext>
     </p:extLst>
   </p:cSld>
@@ -7578,27 +7849,13 @@
           <a:p>
             <a:pPr marL="305435" indent="-305435"/>
             <a:r>
-              <a:rPr lang="en-US" altLang="ja-JP" dirty="0" err="1">
+              <a:rPr lang="ja-JP">
                 <a:ea typeface="+mn-lt"/>
                 <a:cs typeface="+mn-lt"/>
               </a:rPr>
-              <a:t>Bot判別アプリ「Bot</a:t>
-            </a:r>
-            <a:r>
-              <a:rPr lang="en-US" altLang="ja-JP" dirty="0">
-                <a:ea typeface="+mn-lt"/>
-                <a:cs typeface="+mn-lt"/>
-              </a:rPr>
-              <a:t> of Not?」</a:t>
-            </a:r>
-            <a:r>
-              <a:rPr lang="en-US" altLang="ja-JP" dirty="0" err="1">
-                <a:ea typeface="+mn-lt"/>
-                <a:cs typeface="+mn-lt"/>
-              </a:rPr>
-              <a:t>でbot判定</a:t>
-            </a:r>
-            <a:endParaRPr lang="ja-JP" altLang="en-US" dirty="0" err="1">
+              <a:t>各ツイートのユーザータイプを手作業で分類</a:t>
+            </a:r>
+            <a:endParaRPr lang="ja-JP" altLang="en-US" dirty="0">
               <a:ea typeface="+mn-lt"/>
               <a:cs typeface="+mn-lt"/>
             </a:endParaRPr>
@@ -7640,17 +7897,26 @@
           </a:p>
           <a:p>
             <a:pPr marL="305435" indent="-305435"/>
-            <a:r>
-              <a:rPr lang="ja-JP" altLang="en-US">
-                <a:ea typeface="+mn-lt"/>
-                <a:cs typeface="+mn-lt"/>
-              </a:rPr>
-              <a:t>HumanがLife&amp;Earthでは35%、それ以外では80%以上</a:t>
-            </a:r>
             <a:endParaRPr lang="ja-JP" altLang="en-US" dirty="0">
               <a:ea typeface="+mn-lt"/>
               <a:cs typeface="+mn-lt"/>
             </a:endParaRPr>
+          </a:p>
+          <a:p>
+            <a:pPr marL="305435" indent="-305435"/>
+            <a:endParaRPr lang="ja-JP" altLang="en-US" dirty="0">
+              <a:ea typeface="HGｺﾞｼｯｸE"/>
+            </a:endParaRPr>
+          </a:p>
+          <a:p>
+            <a:pPr marL="305435" indent="-305435"/>
+            <a:r>
+              <a:rPr lang="ja-JP" altLang="en-US">
+                <a:ea typeface="+mn-lt"/>
+                <a:cs typeface="+mn-lt"/>
+              </a:rPr>
+              <a:t>Social&amp;Humanities 43%, Physical&amp;Engineering 62%: Individual citizens</a:t>
+            </a:r>
           </a:p>
           <a:p>
             <a:pPr marL="629920" lvl="1" indent="-305435">
@@ -7662,22 +7928,22 @@
                 <a:ea typeface="+mn-lt"/>
                 <a:cs typeface="+mn-lt"/>
               </a:rPr>
-              <a:t>Botアカウントは、主に組織やビジネスで作られる(特に</a:t>
-            </a:r>
-            <a:r>
-              <a:rPr lang="ja-JP">
-                <a:ea typeface="+mn-lt"/>
-                <a:cs typeface="+mn-lt"/>
-              </a:rPr>
-              <a:t>Life&amp;Earthで盛ん</a:t>
-            </a:r>
+              <a:t>但し、Physical&amp;Engineeringでは大規模なsexually-charged acronymが見られたため、一般化できない</a:t>
+            </a:r>
+          </a:p>
+          <a:p>
+            <a:pPr marL="305435" indent="-305435"/>
             <a:r>
               <a:rPr lang="ja-JP" altLang="en-US">
                 <a:ea typeface="+mn-lt"/>
                 <a:cs typeface="+mn-lt"/>
               </a:rPr>
-              <a:t>)</a:t>
-            </a:r>
+              <a:t>Biomed&amp;Health: Individual professionals(32%), Math&amp;Computer: Individual researchers(48%)が最も大きい</a:t>
+            </a:r>
+            <a:endParaRPr lang="ja-JP" altLang="en-US" dirty="0">
+              <a:ea typeface="+mn-lt"/>
+              <a:cs typeface="+mn-lt"/>
+            </a:endParaRPr>
           </a:p>
           <a:p>
             <a:pPr marL="305435" indent="-305435"/>
@@ -7725,7 +7991,7 @@
                   <a:schemeClr val="bg1"/>
                 </a:solidFill>
               </a:rPr>
-              <a:t>4.1 User types and bot accounts(2/2)</a:t>
+              <a:t>4.1 User types and bot accounts(1/2)</a:t>
             </a:r>
             <a:endParaRPr lang="en-US" dirty="0">
               <a:solidFill>
@@ -7780,10 +8046,10 @@
       </p:sp>
       <p:pic>
         <p:nvPicPr>
-          <p:cNvPr id="4" name="Picture 4" descr="A screenshot of a cell phone&#10;&#10;Description generated with very high confidence">
+          <p:cNvPr id="2" name="Picture 3" descr="A screenshot of a cell phone&#10;&#10;Description generated with high confidence">
             <a:extLst>
               <a:ext uri="{FF2B5EF4-FFF2-40B4-BE49-F238E27FC236}">
-                <a16:creationId xmlns:a16="http://schemas.microsoft.com/office/drawing/2014/main" id="{4ACC9EC6-F14F-4E27-AD88-E5804BDE0C59}"/>
+                <a16:creationId xmlns:a16="http://schemas.microsoft.com/office/drawing/2014/main" id="{1E951480-3F9E-422A-8465-FC8C6421AE36}"/>
               </a:ext>
             </a:extLst>
           </p:cNvPr>
@@ -7800,8 +8066,8 @@
         </p:blipFill>
         <p:spPr>
           <a:xfrm>
-            <a:off x="1589590" y="2957958"/>
-            <a:ext cx="9012820" cy="1877705"/>
+            <a:off x="2303362" y="2326936"/>
+            <a:ext cx="7594921" cy="2647824"/>
           </a:xfrm>
           <a:prstGeom prst="rect">
             <a:avLst/>
@@ -7811,7 +8077,7 @@
     </p:spTree>
     <p:extLst>
       <p:ext uri="{BB962C8B-B14F-4D97-AF65-F5344CB8AC3E}">
-        <p14:creationId xmlns:p14="http://schemas.microsoft.com/office/powerpoint/2010/main" val="1060920159"/>
+        <p14:creationId xmlns:p14="http://schemas.microsoft.com/office/powerpoint/2010/main" val="465364337"/>
       </p:ext>
     </p:extLst>
   </p:cSld>
